--- a/CodersGroupDocker.pptx
+++ b/CodersGroupDocker.pptx
@@ -5,7 +5,7 @@
     <p:sldMasterId id="2147483648" r:id="rId1"/>
   </p:sldMasterIdLst>
   <p:notesMasterIdLst>
-    <p:notesMasterId r:id="rId16"/>
+    <p:notesMasterId r:id="rId15"/>
   </p:notesMasterIdLst>
   <p:sldIdLst>
     <p:sldId id="256" r:id="rId2"/>
@@ -17,11 +17,10 @@
     <p:sldId id="291" r:id="rId8"/>
     <p:sldId id="295" r:id="rId9"/>
     <p:sldId id="305" r:id="rId10"/>
-    <p:sldId id="306" r:id="rId11"/>
-    <p:sldId id="307" r:id="rId12"/>
-    <p:sldId id="309" r:id="rId13"/>
-    <p:sldId id="296" r:id="rId14"/>
-    <p:sldId id="297" r:id="rId15"/>
+    <p:sldId id="307" r:id="rId11"/>
+    <p:sldId id="309" r:id="rId12"/>
+    <p:sldId id="296" r:id="rId13"/>
+    <p:sldId id="297" r:id="rId14"/>
   </p:sldIdLst>
   <p:sldSz cx="12192000" cy="6858000"/>
   <p:notesSz cx="6858000" cy="9144000"/>
@@ -612,158 +611,6 @@
           <a:bodyPr/>
           <a:lstStyle/>
           <a:p>
-            <a:pPr marL="0" marR="0" lvl="0" indent="0" algn="l" defTabSz="914400" rtl="0" eaLnBrk="1" fontAlgn="auto" latinLnBrk="0" hangingPunct="1">
-              <a:lnSpc>
-                <a:spcPct val="100000"/>
-              </a:lnSpc>
-              <a:spcBef>
-                <a:spcPts val="0"/>
-              </a:spcBef>
-              <a:spcAft>
-                <a:spcPts val="0"/>
-              </a:spcAft>
-              <a:buClrTx/>
-              <a:buSzTx/>
-              <a:buFontTx/>
-              <a:buNone/>
-              <a:tabLst/>
-              <a:defRPr/>
-            </a:pPr>
-            <a:r>
-              <a:rPr lang="en-AU" sz="1200" b="1" kern="1200" baseline="0" dirty="0" err="1">
-                <a:solidFill>
-                  <a:srgbClr val="FFFFFF"/>
-                </a:solidFill>
-                <a:effectLst/>
-                <a:latin typeface="Century Gothic" panose="020B0502020202020204" pitchFamily="34" charset="0"/>
-                <a:ea typeface="+mn-ea"/>
-                <a:cs typeface="Century Gothic" panose="020B0502020202020204" pitchFamily="34" charset="0"/>
-                <a:hlinkClick r:id="rId3"/>
-              </a:rPr>
-              <a:t>Cgroups</a:t>
-            </a:r>
-            <a:r>
-              <a:rPr lang="en-AU" sz="1200" b="1" kern="1200" baseline="0" dirty="0">
-                <a:solidFill>
-                  <a:srgbClr val="FFFFFF"/>
-                </a:solidFill>
-                <a:effectLst/>
-                <a:latin typeface="Century Gothic" panose="020B0502020202020204" pitchFamily="34" charset="0"/>
-                <a:ea typeface="+mn-ea"/>
-                <a:cs typeface="Century Gothic" panose="020B0502020202020204" pitchFamily="34" charset="0"/>
-                <a:hlinkClick r:id="rId3"/>
-              </a:rPr>
-              <a:t>, namespaces, and beyond: what are containers made from? </a:t>
-            </a:r>
-            <a:r>
-              <a:rPr lang="en-AU" sz="1200" b="1" kern="1200" baseline="0" dirty="0">
-                <a:solidFill>
-                  <a:srgbClr val="FFFFFF"/>
-                </a:solidFill>
-                <a:effectLst/>
-                <a:latin typeface="Century Gothic" panose="020B0502020202020204" pitchFamily="34" charset="0"/>
-                <a:ea typeface="+mn-ea"/>
-                <a:cs typeface="Century Gothic" panose="020B0502020202020204" pitchFamily="34" charset="0"/>
-              </a:rPr>
-              <a:t>– Jerome </a:t>
-            </a:r>
-            <a:r>
-              <a:rPr lang="en-AU" sz="1200" b="1" kern="1200" baseline="0" dirty="0" err="1">
-                <a:solidFill>
-                  <a:srgbClr val="FFFFFF"/>
-                </a:solidFill>
-                <a:effectLst/>
-                <a:latin typeface="Century Gothic" panose="020B0502020202020204" pitchFamily="34" charset="0"/>
-                <a:ea typeface="+mn-ea"/>
-                <a:cs typeface="Century Gothic" panose="020B0502020202020204" pitchFamily="34" charset="0"/>
-              </a:rPr>
-              <a:t>Petazzoni</a:t>
-            </a:r>
-            <a:endParaRPr lang="en-AU" sz="1200" dirty="0">
-              <a:effectLst/>
-            </a:endParaRPr>
-          </a:p>
-          <a:p>
-            <a:r>
-              <a:rPr lang="en-AU" sz="1200" dirty="0"/>
-              <a:t>Introduction to </a:t>
-            </a:r>
-            <a:r>
-              <a:rPr lang="en-AU" sz="1200" dirty="0" err="1"/>
-              <a:t>cgroups</a:t>
-            </a:r>
-            <a:r>
-              <a:rPr lang="en-AU" sz="1200" dirty="0"/>
-              <a:t> and namespaces 2:00 – 5:18</a:t>
-            </a:r>
-          </a:p>
-          <a:p>
-            <a:r>
-              <a:rPr lang="en-AU" sz="1200" dirty="0"/>
-              <a:t>Different namespaces - 24:46 – 27:25</a:t>
-            </a:r>
-          </a:p>
-          <a:p>
-            <a:endParaRPr lang="en-AU" sz="1200" dirty="0"/>
-          </a:p>
-          <a:p>
-            <a:r>
-              <a:rPr lang="en-AU" sz="1200" dirty="0"/>
-              <a:t>Understand what getting a shell in a container is</a:t>
-            </a:r>
-          </a:p>
-          <a:p>
-            <a:endParaRPr lang="en-AU" sz="1200" dirty="0"/>
-          </a:p>
-          <a:p>
-            <a:r>
-              <a:rPr lang="en-AU" sz="1200" dirty="0"/>
-              <a:t>“A container is a process that’s not sharing ! (the default namespace) – Alister Shipman</a:t>
-            </a:r>
-          </a:p>
-          <a:p>
-            <a:endParaRPr lang="en-AU" sz="1200" dirty="0"/>
-          </a:p>
-          <a:p>
-            <a:r>
-              <a:rPr lang="en-AU" sz="1200" dirty="0"/>
-              <a:t>How can we think of it docker, images and containers together </a:t>
-            </a:r>
-          </a:p>
-          <a:p>
-            <a:endParaRPr lang="en-AU" sz="1200" dirty="0"/>
-          </a:p>
-          <a:p>
-            <a:r>
-              <a:rPr lang="en-AU" sz="1200" dirty="0" err="1"/>
-              <a:t>dockerfile</a:t>
-            </a:r>
-            <a:r>
-              <a:rPr lang="en-AU" sz="1200" dirty="0"/>
-              <a:t> is the </a:t>
-            </a:r>
-            <a:r>
-              <a:rPr lang="en-AU" sz="1200" dirty="0" err="1"/>
-              <a:t>sourcecode</a:t>
-            </a:r>
-            <a:r>
-              <a:rPr lang="en-AU" sz="1200" dirty="0"/>
-              <a:t> (it’s a specific language)</a:t>
-            </a:r>
-          </a:p>
-          <a:p>
-            <a:r>
-              <a:rPr lang="en-AU" sz="1200" dirty="0"/>
-              <a:t>image is the compiled binary, but the files as well, and the image manifest </a:t>
-            </a:r>
-          </a:p>
-          <a:p>
-            <a:r>
-              <a:rPr lang="en-AU" sz="1200" dirty="0"/>
-              <a:t>container is the running process - but docker run does a bit more</a:t>
-            </a:r>
-          </a:p>
-          <a:p>
             <a:endParaRPr lang="en-AU" sz="1200" dirty="0"/>
           </a:p>
         </p:txBody>
@@ -794,7 +641,7 @@
     </p:spTree>
     <p:extLst>
       <p:ext uri="{BB962C8B-B14F-4D97-AF65-F5344CB8AC3E}">
-        <p14:creationId xmlns:p14="http://schemas.microsoft.com/office/powerpoint/2010/main" val="1364859065"/>
+        <p14:creationId xmlns:p14="http://schemas.microsoft.com/office/powerpoint/2010/main" val="1968761045"/>
       </p:ext>
     </p:extLst>
   </p:cSld>
@@ -848,7 +695,37 @@
           <a:bodyPr/>
           <a:lstStyle/>
           <a:p>
-            <a:endParaRPr lang="en-AU" sz="1200" dirty="0"/>
+            <a:r>
+              <a:rPr lang="en-AU" b="0" dirty="0">
+                <a:solidFill>
+                  <a:srgbClr val="D4D4D4"/>
+                </a:solidFill>
+                <a:effectLst/>
+                <a:latin typeface="Consolas" panose="020B0609020204030204" pitchFamily="49" charset="0"/>
+              </a:rPr>
+              <a:t>https://www.ianlewis.org/en/container-runtimes-part-1-introduction-container-r</a:t>
+            </a:r>
+          </a:p>
+          <a:p>
+            <a:br>
+              <a:rPr lang="en-AU" b="0" dirty="0">
+                <a:solidFill>
+                  <a:srgbClr val="D4D4D4"/>
+                </a:solidFill>
+                <a:effectLst/>
+                <a:latin typeface="Consolas" panose="020B0609020204030204" pitchFamily="49" charset="0"/>
+              </a:rPr>
+            </a:br>
+            <a:endParaRPr lang="en-AU" b="0" dirty="0">
+              <a:solidFill>
+                <a:srgbClr val="D4D4D4"/>
+              </a:solidFill>
+              <a:effectLst/>
+              <a:latin typeface="Consolas" panose="020B0609020204030204" pitchFamily="49" charset="0"/>
+            </a:endParaRPr>
+          </a:p>
+          <a:p>
+            <a:endParaRPr lang="en-AU" dirty="0"/>
           </a:p>
         </p:txBody>
       </p:sp>
@@ -878,7 +755,7 @@
     </p:spTree>
     <p:extLst>
       <p:ext uri="{BB962C8B-B14F-4D97-AF65-F5344CB8AC3E}">
-        <p14:creationId xmlns:p14="http://schemas.microsoft.com/office/powerpoint/2010/main" val="1968761045"/>
+        <p14:creationId xmlns:p14="http://schemas.microsoft.com/office/powerpoint/2010/main" val="3863869726"/>
       </p:ext>
     </p:extLst>
   </p:cSld>
@@ -933,36 +810,66 @@
           <a:lstStyle/>
           <a:p>
             <a:r>
-              <a:rPr lang="en-AU" b="0" dirty="0">
-                <a:solidFill>
-                  <a:srgbClr val="D4D4D4"/>
-                </a:solidFill>
-                <a:effectLst/>
-                <a:latin typeface="Consolas" panose="020B0609020204030204" pitchFamily="49" charset="0"/>
-              </a:rPr>
-              <a:t>https://www.ianlewis.org/en/container-runtimes-part-1-introduction-container-r</a:t>
-            </a:r>
-          </a:p>
-          <a:p>
-            <a:br>
-              <a:rPr lang="en-AU" b="0" dirty="0">
-                <a:solidFill>
-                  <a:srgbClr val="D4D4D4"/>
-                </a:solidFill>
-                <a:effectLst/>
-                <a:latin typeface="Consolas" panose="020B0609020204030204" pitchFamily="49" charset="0"/>
-              </a:rPr>
-            </a:br>
-            <a:endParaRPr lang="en-AU" b="0" dirty="0">
-              <a:solidFill>
-                <a:srgbClr val="D4D4D4"/>
-              </a:solidFill>
-              <a:effectLst/>
-              <a:latin typeface="Consolas" panose="020B0609020204030204" pitchFamily="49" charset="0"/>
-            </a:endParaRPr>
-          </a:p>
-          <a:p>
-            <a:endParaRPr lang="en-AU" dirty="0"/>
+              <a:rPr lang="en-AU" sz="1200" dirty="0"/>
+              <a:t>Ok – so we know what a container is now, and we’ve built some, inspected some images, how would we build one ?</a:t>
+            </a:r>
+          </a:p>
+          <a:p>
+            <a:endParaRPr lang="en-AU" sz="1200" dirty="0"/>
+          </a:p>
+          <a:p>
+            <a:r>
+              <a:rPr lang="en-AU" sz="1200" dirty="0"/>
+              <a:t>Practically building containers </a:t>
+            </a:r>
+          </a:p>
+          <a:p>
+            <a:r>
+              <a:rPr lang="en-AU" sz="1200" dirty="0"/>
+              <a:t>Well we will use docker, but I stress this is only one way !</a:t>
+            </a:r>
+          </a:p>
+          <a:p>
+            <a:endParaRPr lang="en-AU" sz="1200" dirty="0"/>
+          </a:p>
+          <a:p>
+            <a:r>
+              <a:rPr lang="en-AU" sz="1200" dirty="0"/>
+              <a:t>We’ve used 3 here – docker, </a:t>
+            </a:r>
+            <a:r>
+              <a:rPr lang="en-AU" sz="1200" dirty="0" err="1"/>
+              <a:t>kaniko</a:t>
+            </a:r>
+            <a:r>
+              <a:rPr lang="en-AU" sz="1200" dirty="0"/>
+              <a:t> and jib</a:t>
+            </a:r>
+          </a:p>
+          <a:p>
+            <a:endParaRPr lang="en-AU" sz="1200" dirty="0"/>
+          </a:p>
+          <a:p>
+            <a:r>
+              <a:rPr lang="en-AU" sz="1200" dirty="0"/>
+              <a:t>Ok – docker commands to run it – observe link between commands and namespaces </a:t>
+            </a:r>
+            <a:r>
+              <a:rPr lang="en-AU" sz="1200" dirty="0" err="1"/>
+              <a:t>e.g</a:t>
+            </a:r>
+            <a:r>
+              <a:rPr lang="en-AU" sz="1200" dirty="0"/>
+              <a:t> </a:t>
+            </a:r>
+            <a:r>
+              <a:rPr lang="en-AU" sz="1200" dirty="0" err="1"/>
+              <a:t>pid</a:t>
+            </a:r>
+            <a:r>
+              <a:rPr lang="en-AU" sz="1200" dirty="0"/>
+              <a:t> namespace</a:t>
+            </a:r>
           </a:p>
         </p:txBody>
       </p:sp>
@@ -992,7 +899,7 @@
     </p:spTree>
     <p:extLst>
       <p:ext uri="{BB962C8B-B14F-4D97-AF65-F5344CB8AC3E}">
-        <p14:creationId xmlns:p14="http://schemas.microsoft.com/office/powerpoint/2010/main" val="3863869726"/>
+        <p14:creationId xmlns:p14="http://schemas.microsoft.com/office/powerpoint/2010/main" val="1994887120"/>
       </p:ext>
     </p:extLst>
   </p:cSld>
@@ -1047,150 +954,6 @@
           <a:lstStyle/>
           <a:p>
             <a:r>
-              <a:rPr lang="en-AU" sz="1200" dirty="0"/>
-              <a:t>Ok – so we know what a container is now, and we’ve built some, inspected some images, how would we build one ?</a:t>
-            </a:r>
-          </a:p>
-          <a:p>
-            <a:endParaRPr lang="en-AU" sz="1200" dirty="0"/>
-          </a:p>
-          <a:p>
-            <a:r>
-              <a:rPr lang="en-AU" sz="1200" dirty="0"/>
-              <a:t>Practically building containers </a:t>
-            </a:r>
-          </a:p>
-          <a:p>
-            <a:r>
-              <a:rPr lang="en-AU" sz="1200" dirty="0"/>
-              <a:t>Well we will use docker, but I stress this is only one way !</a:t>
-            </a:r>
-          </a:p>
-          <a:p>
-            <a:endParaRPr lang="en-AU" sz="1200" dirty="0"/>
-          </a:p>
-          <a:p>
-            <a:r>
-              <a:rPr lang="en-AU" sz="1200" dirty="0"/>
-              <a:t>We’ve used 3 here – docker, </a:t>
-            </a:r>
-            <a:r>
-              <a:rPr lang="en-AU" sz="1200" dirty="0" err="1"/>
-              <a:t>kaniko</a:t>
-            </a:r>
-            <a:r>
-              <a:rPr lang="en-AU" sz="1200" dirty="0"/>
-              <a:t> and jib</a:t>
-            </a:r>
-          </a:p>
-          <a:p>
-            <a:endParaRPr lang="en-AU" sz="1200" dirty="0"/>
-          </a:p>
-          <a:p>
-            <a:r>
-              <a:rPr lang="en-AU" sz="1200" dirty="0"/>
-              <a:t>Ok – docker commands to run it – observe link between commands and namespaces </a:t>
-            </a:r>
-            <a:r>
-              <a:rPr lang="en-AU" sz="1200" dirty="0" err="1"/>
-              <a:t>e.g</a:t>
-            </a:r>
-            <a:r>
-              <a:rPr lang="en-AU" sz="1200" dirty="0"/>
-              <a:t> </a:t>
-            </a:r>
-            <a:r>
-              <a:rPr lang="en-AU" sz="1200" dirty="0" err="1"/>
-              <a:t>pid</a:t>
-            </a:r>
-            <a:r>
-              <a:rPr lang="en-AU" sz="1200" dirty="0"/>
-              <a:t> namespace</a:t>
-            </a:r>
-          </a:p>
-        </p:txBody>
-      </p:sp>
-      <p:sp>
-        <p:nvSpPr>
-          <p:cNvPr id="4" name="Slide Number Placeholder 3"/>
-          <p:cNvSpPr>
-            <a:spLocks noGrp="1"/>
-          </p:cNvSpPr>
-          <p:nvPr>
-            <p:ph type="sldNum" sz="quarter" idx="10"/>
-          </p:nvPr>
-        </p:nvSpPr>
-        <p:spPr/>
-        <p:txBody>
-          <a:bodyPr/>
-          <a:lstStyle/>
-          <a:p>
-            <a:fld id="{81889535-4C9A-4919-8C6D-C0E39E76FE81}" type="slidenum">
-              <a:rPr lang="en-AU" smtClean="0"/>
-              <a:t>13</a:t>
-            </a:fld>
-            <a:endParaRPr lang="en-AU"/>
-          </a:p>
-        </p:txBody>
-      </p:sp>
-    </p:spTree>
-    <p:extLst>
-      <p:ext uri="{BB962C8B-B14F-4D97-AF65-F5344CB8AC3E}">
-        <p14:creationId xmlns:p14="http://schemas.microsoft.com/office/powerpoint/2010/main" val="1994887120"/>
-      </p:ext>
-    </p:extLst>
-  </p:cSld>
-  <p:clrMapOvr>
-    <a:masterClrMapping/>
-  </p:clrMapOvr>
-</p:notes>
-</file>
-
-<file path=ppt/notesSlides/notesSlide14.xml><?xml version="1.0" encoding="utf-8"?>
-<p:notes xmlns:a="http://schemas.openxmlformats.org/drawingml/2006/main" xmlns:r="http://schemas.openxmlformats.org/officeDocument/2006/relationships" xmlns:p="http://schemas.openxmlformats.org/presentationml/2006/main">
-  <p:cSld>
-    <p:spTree>
-      <p:nvGrpSpPr>
-        <p:cNvPr id="1" name=""/>
-        <p:cNvGrpSpPr/>
-        <p:nvPr/>
-      </p:nvGrpSpPr>
-      <p:grpSpPr>
-        <a:xfrm>
-          <a:off x="0" y="0"/>
-          <a:ext cx="0" cy="0"/>
-          <a:chOff x="0" y="0"/>
-          <a:chExt cx="0" cy="0"/>
-        </a:xfrm>
-      </p:grpSpPr>
-      <p:sp>
-        <p:nvSpPr>
-          <p:cNvPr id="2" name="Slide Image Placeholder 1"/>
-          <p:cNvSpPr>
-            <a:spLocks noGrp="1" noRot="1" noChangeAspect="1"/>
-          </p:cNvSpPr>
-          <p:nvPr>
-            <p:ph type="sldImg"/>
-          </p:nvPr>
-        </p:nvSpPr>
-        <p:spPr/>
-      </p:sp>
-      <p:sp>
-        <p:nvSpPr>
-          <p:cNvPr id="3" name="Notes Placeholder 2"/>
-          <p:cNvSpPr>
-            <a:spLocks noGrp="1"/>
-          </p:cNvSpPr>
-          <p:nvPr>
-            <p:ph type="body" idx="1"/>
-          </p:nvPr>
-        </p:nvSpPr>
-        <p:spPr/>
-        <p:txBody>
-          <a:bodyPr/>
-          <a:lstStyle/>
-          <a:p>
-            <a:r>
               <a:rPr lang="en-AU" sz="1200" dirty="0">
                 <a:hlinkClick r:id="rId3"/>
               </a:rPr>
@@ -1379,7 +1142,7 @@
           <a:p>
             <a:fld id="{81889535-4C9A-4919-8C6D-C0E39E76FE81}" type="slidenum">
               <a:rPr lang="en-AU" smtClean="0"/>
-              <a:t>14</a:t>
+              <a:t>13</a:t>
             </a:fld>
             <a:endParaRPr lang="en-AU"/>
           </a:p>
@@ -1442,121 +1205,7 @@
           <a:bodyPr/>
           <a:lstStyle/>
           <a:p>
-            <a:r>
-              <a:rPr lang="en-AU" dirty="0"/>
-              <a:t>We’ve been on this journey for over 3 years.</a:t>
-            </a:r>
-          </a:p>
-          <a:p>
-            <a:r>
-              <a:rPr lang="en-AU" dirty="0"/>
-              <a:t>We’ve levelled up a lot, across a wide range of tech</a:t>
-            </a:r>
-          </a:p>
-          <a:p>
-            <a:r>
-              <a:rPr lang="en-AU" dirty="0"/>
-              <a:t>We’ve tried a huge amount of tech – kept some, thrown others out</a:t>
-            </a:r>
-          </a:p>
-          <a:p>
             <a:endParaRPr lang="en-AU" dirty="0"/>
-          </a:p>
-          <a:p>
-            <a:r>
-              <a:rPr lang="en-AU" dirty="0"/>
-              <a:t>I think we’ve made a huge amount of progress. But in other ways we’ve stagnated. I’m seeing the same mistakes </a:t>
-            </a:r>
-          </a:p>
-          <a:p>
-            <a:endParaRPr lang="en-AU" dirty="0"/>
-          </a:p>
-          <a:p>
-            <a:r>
-              <a:rPr lang="en-AU" dirty="0"/>
-              <a:t>Docker login – docker cred helpers and docker</a:t>
-            </a:r>
-          </a:p>
-          <a:p>
-            <a:r>
-              <a:rPr lang="en-AU" dirty="0"/>
-              <a:t>Pull policies – lack of under standing of k8s architecture</a:t>
-            </a:r>
-          </a:p>
-          <a:p>
-            <a:r>
-              <a:rPr lang="en-AU" dirty="0"/>
-              <a:t>Debugging images – people not fulling under</a:t>
-            </a:r>
-          </a:p>
-          <a:p>
-            <a:r>
-              <a:rPr lang="en-AU" dirty="0"/>
-              <a:t>Debugging helm failures -</a:t>
-            </a:r>
-          </a:p>
-          <a:p>
-            <a:r>
-              <a:rPr lang="en-AU" dirty="0"/>
-              <a:t>Debugging call failures – lack of understanding of </a:t>
-            </a:r>
-            <a:r>
-              <a:rPr lang="en-AU" dirty="0" err="1"/>
-              <a:t>kube</a:t>
-            </a:r>
-            <a:r>
-              <a:rPr lang="en-AU" dirty="0"/>
-              <a:t> </a:t>
-            </a:r>
-            <a:r>
-              <a:rPr lang="en-AU" dirty="0" err="1"/>
-              <a:t>dns</a:t>
-            </a:r>
-            <a:r>
-              <a:rPr lang="en-AU" dirty="0"/>
-              <a:t> and ingress controllers.</a:t>
-            </a:r>
-          </a:p>
-          <a:p>
-            <a:endParaRPr lang="en-AU" dirty="0"/>
-          </a:p>
-          <a:p>
-            <a:r>
-              <a:rPr lang="en-AU" dirty="0"/>
-              <a:t>In some of these areas I really feel the limiter is a lack of understanding of how the tech works</a:t>
-            </a:r>
-          </a:p>
-          <a:p>
-            <a:endParaRPr lang="en-AU" dirty="0"/>
-          </a:p>
-          <a:p>
-            <a:r>
-              <a:rPr lang="en-AU" dirty="0"/>
-              <a:t>So I thought it was time for a refresher, and a history lesson and some of the </a:t>
-            </a:r>
-            <a:r>
-              <a:rPr lang="en-AU" dirty="0" err="1"/>
-              <a:t>behindology</a:t>
-            </a:r>
-            <a:endParaRPr lang="en-AU" dirty="0"/>
-          </a:p>
-          <a:p>
-            <a:endParaRPr lang="en-AU" dirty="0"/>
-          </a:p>
-          <a:p>
-            <a:r>
-              <a:rPr lang="en-AU" dirty="0"/>
-              <a:t>I’ve been fortunate enough to get in on the ground floor of some of this tech. So today, I want to get you guys to run a bunch of commands and for us to talk about them, and use this to try and level up our understanding of containers and Kubernetes. Then I’m going to walk through some aspects of our pipelines and you can see how this tech fits in to the pipelines</a:t>
-            </a:r>
-          </a:p>
-          <a:p>
-            <a:endParaRPr lang="en-AU" dirty="0"/>
-          </a:p>
-          <a:p>
-            <a:r>
-              <a:rPr lang="en-AU" dirty="0"/>
-              <a:t>The company goal here is to make fireteams more self sufficient. There IS too much for everyone to be an expert in everything. But If one person can level up in this space within each team they’ll gradually raise that teams understanding. I think that’s the key to scaling our delivery. </a:t>
-            </a:r>
           </a:p>
         </p:txBody>
       </p:sp>
@@ -1909,6 +1558,161 @@
         <p:txBody>
           <a:bodyPr/>
           <a:lstStyle/>
+          <a:p>
+            <a:pPr marL="0" marR="0" lvl="0" indent="0" algn="l" defTabSz="914400" rtl="0" eaLnBrk="1" fontAlgn="auto" latinLnBrk="0" hangingPunct="1">
+              <a:lnSpc>
+                <a:spcPct val="100000"/>
+              </a:lnSpc>
+              <a:spcBef>
+                <a:spcPts val="0"/>
+              </a:spcBef>
+              <a:spcAft>
+                <a:spcPts val="0"/>
+              </a:spcAft>
+              <a:buClrTx/>
+              <a:buSzTx/>
+              <a:buFontTx/>
+              <a:buNone/>
+              <a:tabLst/>
+              <a:defRPr/>
+            </a:pPr>
+            <a:r>
+              <a:rPr lang="en-AU" sz="1200" b="1" kern="1200" baseline="0" dirty="0" err="1">
+                <a:solidFill>
+                  <a:srgbClr val="FFFFFF"/>
+                </a:solidFill>
+                <a:effectLst/>
+                <a:latin typeface="Century Gothic" panose="020B0502020202020204" pitchFamily="34" charset="0"/>
+                <a:ea typeface="+mn-ea"/>
+                <a:cs typeface="Century Gothic" panose="020B0502020202020204" pitchFamily="34" charset="0"/>
+                <a:hlinkClick r:id="rId3"/>
+              </a:rPr>
+              <a:t>Cgroups</a:t>
+            </a:r>
+            <a:r>
+              <a:rPr lang="en-AU" sz="1200" b="1" kern="1200" baseline="0" dirty="0">
+                <a:solidFill>
+                  <a:srgbClr val="FFFFFF"/>
+                </a:solidFill>
+                <a:effectLst/>
+                <a:latin typeface="Century Gothic" panose="020B0502020202020204" pitchFamily="34" charset="0"/>
+                <a:ea typeface="+mn-ea"/>
+                <a:cs typeface="Century Gothic" panose="020B0502020202020204" pitchFamily="34" charset="0"/>
+                <a:hlinkClick r:id="rId3"/>
+              </a:rPr>
+              <a:t>, namespaces, and beyond: what are containers made from? </a:t>
+            </a:r>
+            <a:r>
+              <a:rPr lang="en-AU" sz="1200" b="1" kern="1200" baseline="0" dirty="0">
+                <a:solidFill>
+                  <a:srgbClr val="FFFFFF"/>
+                </a:solidFill>
+                <a:effectLst/>
+                <a:latin typeface="Century Gothic" panose="020B0502020202020204" pitchFamily="34" charset="0"/>
+                <a:ea typeface="+mn-ea"/>
+                <a:cs typeface="Century Gothic" panose="020B0502020202020204" pitchFamily="34" charset="0"/>
+              </a:rPr>
+              <a:t>– Jerome </a:t>
+            </a:r>
+            <a:r>
+              <a:rPr lang="en-AU" sz="1200" b="1" kern="1200" baseline="0" dirty="0" err="1">
+                <a:solidFill>
+                  <a:srgbClr val="FFFFFF"/>
+                </a:solidFill>
+                <a:effectLst/>
+                <a:latin typeface="Century Gothic" panose="020B0502020202020204" pitchFamily="34" charset="0"/>
+                <a:ea typeface="+mn-ea"/>
+                <a:cs typeface="Century Gothic" panose="020B0502020202020204" pitchFamily="34" charset="0"/>
+              </a:rPr>
+              <a:t>Petazzoni</a:t>
+            </a:r>
+            <a:endParaRPr lang="en-AU" sz="1200" dirty="0">
+              <a:effectLst/>
+            </a:endParaRPr>
+          </a:p>
+          <a:p>
+            <a:r>
+              <a:rPr lang="en-AU" sz="1200" dirty="0"/>
+              <a:t>Introduction to </a:t>
+            </a:r>
+            <a:r>
+              <a:rPr lang="en-AU" sz="1200" dirty="0" err="1"/>
+              <a:t>cgroups</a:t>
+            </a:r>
+            <a:r>
+              <a:rPr lang="en-AU" sz="1200" dirty="0"/>
+              <a:t> and namespaces 2:00 – 5:18</a:t>
+            </a:r>
+          </a:p>
+          <a:p>
+            <a:r>
+              <a:rPr lang="en-AU" sz="1200" dirty="0"/>
+              <a:t>Different namespaces - 24:46 – 27:25</a:t>
+            </a:r>
+          </a:p>
+          <a:p>
+            <a:endParaRPr lang="en-AU" sz="1200" dirty="0"/>
+          </a:p>
+          <a:p>
+            <a:r>
+              <a:rPr lang="en-AU" sz="1200" dirty="0"/>
+              <a:t>Understand what getting a shell in a container is</a:t>
+            </a:r>
+          </a:p>
+          <a:p>
+            <a:endParaRPr lang="en-AU" sz="1200" dirty="0"/>
+          </a:p>
+          <a:p>
+            <a:r>
+              <a:rPr lang="en-AU" sz="1200" dirty="0"/>
+              <a:t>“A container is a process that’s not sharing ! (the default namespace) – Alister Shipman</a:t>
+            </a:r>
+          </a:p>
+          <a:p>
+            <a:endParaRPr lang="en-AU" sz="1200" dirty="0"/>
+          </a:p>
+          <a:p>
+            <a:r>
+              <a:rPr lang="en-AU" sz="1200" dirty="0"/>
+              <a:t>How can we think of it docker, images and containers together </a:t>
+            </a:r>
+          </a:p>
+          <a:p>
+            <a:endParaRPr lang="en-AU" sz="1200" dirty="0"/>
+          </a:p>
+          <a:p>
+            <a:r>
+              <a:rPr lang="en-AU" sz="1200" dirty="0" err="1"/>
+              <a:t>dockerfile</a:t>
+            </a:r>
+            <a:r>
+              <a:rPr lang="en-AU" sz="1200" dirty="0"/>
+              <a:t> is the </a:t>
+            </a:r>
+            <a:r>
+              <a:rPr lang="en-AU" sz="1200" dirty="0" err="1"/>
+              <a:t>sourcecode</a:t>
+            </a:r>
+            <a:r>
+              <a:rPr lang="en-AU" sz="1200" dirty="0"/>
+              <a:t> (it’s a specific language)</a:t>
+            </a:r>
+          </a:p>
+          <a:p>
+            <a:r>
+              <a:rPr lang="en-AU" sz="1200" dirty="0"/>
+              <a:t>image is the compiled binary, but the files as well, and the image manifest </a:t>
+            </a:r>
+          </a:p>
+          <a:p>
+            <a:r>
+              <a:rPr lang="en-AU" sz="1200" dirty="0"/>
+              <a:t>container is the running process - but docker run does a bit more</a:t>
+            </a:r>
+          </a:p>
+          <a:p>
+            <a:endParaRPr lang="en-AU" sz="1200" dirty="0"/>
+          </a:p>
           <a:p>
             <a:endParaRPr lang="en-AU" sz="1200" dirty="0"/>
           </a:p>
@@ -5996,7 +5800,7 @@
           <a:p>
             <a:r>
               <a:rPr lang="en-AU" dirty="0"/>
-              <a:t>It had to happen….</a:t>
+              <a:t>So, what the hell is docker then ?</a:t>
             </a:r>
           </a:p>
         </p:txBody>
@@ -6049,160 +5853,6 @@
               <a:rPr lang="en-US" smtClean="0"/>
               <a:pPr/>
               <a:t>10</a:t>
-            </a:fld>
-            <a:endParaRPr lang="en-US" dirty="0"/>
-          </a:p>
-        </p:txBody>
-      </p:sp>
-      <p:pic>
-        <p:nvPicPr>
-          <p:cNvPr id="1026" name="Picture 2" descr="Red-pilled: Can The Matrix Resurrections reclaim Neo from the alt-right? |  The Independent">
-            <a:extLst>
-              <a:ext uri="{FF2B5EF4-FFF2-40B4-BE49-F238E27FC236}">
-                <a16:creationId xmlns:a16="http://schemas.microsoft.com/office/drawing/2014/main" id="{9AE71F5A-86A6-52E3-7401-686695751B18}"/>
-              </a:ext>
-            </a:extLst>
-          </p:cNvPr>
-          <p:cNvPicPr>
-            <a:picLocks noChangeAspect="1" noChangeArrowheads="1"/>
-          </p:cNvPicPr>
-          <p:nvPr/>
-        </p:nvPicPr>
-        <p:blipFill>
-          <a:blip r:embed="rId3">
-            <a:extLst>
-              <a:ext uri="{28A0092B-C50C-407E-A947-70E740481C1C}">
-                <a14:useLocalDpi xmlns:a14="http://schemas.microsoft.com/office/drawing/2010/main" val="0"/>
-              </a:ext>
-            </a:extLst>
-          </a:blip>
-          <a:srcRect/>
-          <a:stretch>
-            <a:fillRect/>
-          </a:stretch>
-        </p:blipFill>
-        <p:spPr bwMode="auto">
-          <a:xfrm>
-            <a:off x="2853079" y="1247687"/>
-            <a:ext cx="6015149" cy="4511362"/>
-          </a:xfrm>
-          <a:prstGeom prst="rect">
-            <a:avLst/>
-          </a:prstGeom>
-          <a:noFill/>
-          <a:extLst>
-            <a:ext uri="{909E8E84-426E-40DD-AFC4-6F175D3DCCD1}">
-              <a14:hiddenFill xmlns:a14="http://schemas.microsoft.com/office/drawing/2010/main">
-                <a:solidFill>
-                  <a:srgbClr val="FFFFFF"/>
-                </a:solidFill>
-              </a14:hiddenFill>
-            </a:ext>
-          </a:extLst>
-        </p:spPr>
-      </p:pic>
-    </p:spTree>
-    <p:extLst>
-      <p:ext uri="{BB962C8B-B14F-4D97-AF65-F5344CB8AC3E}">
-        <p14:creationId xmlns:p14="http://schemas.microsoft.com/office/powerpoint/2010/main" val="3744289565"/>
-      </p:ext>
-    </p:extLst>
-  </p:cSld>
-  <p:clrMapOvr>
-    <a:masterClrMapping/>
-  </p:clrMapOvr>
-</p:sld>
-</file>
-
-<file path=ppt/slides/slide11.xml><?xml version="1.0" encoding="utf-8"?>
-<p:sld xmlns:a="http://schemas.openxmlformats.org/drawingml/2006/main" xmlns:r="http://schemas.openxmlformats.org/officeDocument/2006/relationships" xmlns:p="http://schemas.openxmlformats.org/presentationml/2006/main">
-  <p:cSld>
-    <p:spTree>
-      <p:nvGrpSpPr>
-        <p:cNvPr id="1" name=""/>
-        <p:cNvGrpSpPr/>
-        <p:nvPr/>
-      </p:nvGrpSpPr>
-      <p:grpSpPr>
-        <a:xfrm>
-          <a:off x="0" y="0"/>
-          <a:ext cx="0" cy="0"/>
-          <a:chOff x="0" y="0"/>
-          <a:chExt cx="0" cy="0"/>
-        </a:xfrm>
-      </p:grpSpPr>
-      <p:sp>
-        <p:nvSpPr>
-          <p:cNvPr id="2" name="Text Placeholder 1"/>
-          <p:cNvSpPr>
-            <a:spLocks noGrp="1"/>
-          </p:cNvSpPr>
-          <p:nvPr>
-            <p:ph type="body" sz="quarter" idx="10"/>
-          </p:nvPr>
-        </p:nvSpPr>
-        <p:spPr/>
-        <p:txBody>
-          <a:bodyPr>
-            <a:normAutofit fontScale="92500" lnSpcReduction="10000"/>
-          </a:bodyPr>
-          <a:lstStyle/>
-          <a:p>
-            <a:r>
-              <a:rPr lang="en-AU" dirty="0"/>
-              <a:t>So, what the hell is docker then ?</a:t>
-            </a:r>
-          </a:p>
-        </p:txBody>
-      </p:sp>
-      <p:sp>
-        <p:nvSpPr>
-          <p:cNvPr id="4" name="Text Placeholder 3"/>
-          <p:cNvSpPr>
-            <a:spLocks noGrp="1"/>
-          </p:cNvSpPr>
-          <p:nvPr>
-            <p:ph type="body" sz="quarter" idx="11"/>
-          </p:nvPr>
-        </p:nvSpPr>
-        <p:spPr>
-          <a:xfrm>
-            <a:off x="2374900" y="1281931"/>
-            <a:ext cx="7678738" cy="4657550"/>
-          </a:xfrm>
-        </p:spPr>
-        <p:txBody>
-          <a:bodyPr>
-            <a:normAutofit/>
-          </a:bodyPr>
-          <a:lstStyle/>
-          <a:p>
-            <a:endParaRPr lang="en-AU" sz="2400" dirty="0"/>
-          </a:p>
-          <a:p>
-            <a:endParaRPr lang="en-AU" sz="2400" dirty="0"/>
-          </a:p>
-        </p:txBody>
-      </p:sp>
-      <p:sp>
-        <p:nvSpPr>
-          <p:cNvPr id="5" name="Slide Number Placeholder 4"/>
-          <p:cNvSpPr>
-            <a:spLocks noGrp="1"/>
-          </p:cNvSpPr>
-          <p:nvPr>
-            <p:ph type="sldNum" sz="quarter" idx="4"/>
-          </p:nvPr>
-        </p:nvSpPr>
-        <p:spPr/>
-        <p:txBody>
-          <a:bodyPr/>
-          <a:lstStyle/>
-          <a:p>
-            <a:fld id="{F715EC76-0071-7A44-93BB-E4DD1C89DB1C}" type="slidenum">
-              <a:rPr lang="en-US" smtClean="0"/>
-              <a:pPr/>
-              <a:t>11</a:t>
             </a:fld>
             <a:endParaRPr lang="en-US" dirty="0"/>
           </a:p>
@@ -6268,7 +5918,7 @@
 </p:sld>
 </file>
 
-<file path=ppt/slides/slide12.xml><?xml version="1.0" encoding="utf-8"?>
+<file path=ppt/slides/slide11.xml><?xml version="1.0" encoding="utf-8"?>
 <p:sld xmlns:a="http://schemas.openxmlformats.org/drawingml/2006/main" xmlns:r="http://schemas.openxmlformats.org/officeDocument/2006/relationships" xmlns:p="http://schemas.openxmlformats.org/presentationml/2006/main">
   <p:cSld>
     <p:spTree>
@@ -6431,7 +6081,7 @@
             <a:fld id="{F715EC76-0071-7A44-93BB-E4DD1C89DB1C}" type="slidenum">
               <a:rPr lang="en-US" smtClean="0"/>
               <a:pPr/>
-              <a:t>12</a:t>
+              <a:t>11</a:t>
             </a:fld>
             <a:endParaRPr lang="en-US" dirty="0"/>
           </a:p>
@@ -6486,6 +6136,111 @@
     <p:extLst>
       <p:ext uri="{BB962C8B-B14F-4D97-AF65-F5344CB8AC3E}">
         <p14:creationId xmlns:p14="http://schemas.microsoft.com/office/powerpoint/2010/main" val="2337742104"/>
+      </p:ext>
+    </p:extLst>
+  </p:cSld>
+  <p:clrMapOvr>
+    <a:masterClrMapping/>
+  </p:clrMapOvr>
+</p:sld>
+</file>
+
+<file path=ppt/slides/slide12.xml><?xml version="1.0" encoding="utf-8"?>
+<p:sld xmlns:a="http://schemas.openxmlformats.org/drawingml/2006/main" xmlns:r="http://schemas.openxmlformats.org/officeDocument/2006/relationships" xmlns:p="http://schemas.openxmlformats.org/presentationml/2006/main">
+  <p:cSld>
+    <p:spTree>
+      <p:nvGrpSpPr>
+        <p:cNvPr id="1" name=""/>
+        <p:cNvGrpSpPr/>
+        <p:nvPr/>
+      </p:nvGrpSpPr>
+      <p:grpSpPr>
+        <a:xfrm>
+          <a:off x="0" y="0"/>
+          <a:ext cx="0" cy="0"/>
+          <a:chOff x="0" y="0"/>
+          <a:chExt cx="0" cy="0"/>
+        </a:xfrm>
+      </p:grpSpPr>
+      <p:sp>
+        <p:nvSpPr>
+          <p:cNvPr id="2" name="Text Placeholder 1"/>
+          <p:cNvSpPr>
+            <a:spLocks noGrp="1"/>
+          </p:cNvSpPr>
+          <p:nvPr>
+            <p:ph type="body" sz="quarter" idx="10"/>
+          </p:nvPr>
+        </p:nvSpPr>
+        <p:spPr>
+          <a:xfrm>
+            <a:off x="1134533" y="706438"/>
+            <a:ext cx="10238317" cy="3738561"/>
+          </a:xfrm>
+        </p:spPr>
+        <p:txBody>
+          <a:bodyPr>
+            <a:normAutofit/>
+          </a:bodyPr>
+          <a:lstStyle/>
+          <a:p>
+            <a:pPr algn="ctr"/>
+            <a:endParaRPr lang="en-AU" sz="6000" dirty="0"/>
+          </a:p>
+          <a:p>
+            <a:pPr algn="ctr"/>
+            <a:r>
+              <a:rPr lang="en-AU" sz="6000" dirty="0"/>
+              <a:t>Containers Runtimes &amp; Docker</a:t>
+            </a:r>
+            <a:r>
+              <a:rPr kumimoji="0" lang="en-AU" sz="2000" b="1" i="0" u="none" strike="noStrike" kern="1200" cap="none" spc="0" normalizeH="0" baseline="0" noProof="0" dirty="0">
+                <a:ln>
+                  <a:noFill/>
+                </a:ln>
+                <a:solidFill>
+                  <a:prstClr val="white"/>
+                </a:solidFill>
+                <a:effectLst/>
+                <a:uLnTx/>
+                <a:uFillTx/>
+                <a:latin typeface="Century Gothic"/>
+                <a:ea typeface="+mn-ea"/>
+              </a:rPr>
+              <a:t> 3</a:t>
+            </a:r>
+            <a:endParaRPr lang="en-AU" sz="6000" dirty="0"/>
+          </a:p>
+        </p:txBody>
+      </p:sp>
+      <p:sp>
+        <p:nvSpPr>
+          <p:cNvPr id="5" name="Slide Number Placeholder 4"/>
+          <p:cNvSpPr>
+            <a:spLocks noGrp="1"/>
+          </p:cNvSpPr>
+          <p:nvPr>
+            <p:ph type="sldNum" sz="quarter" idx="4"/>
+          </p:nvPr>
+        </p:nvSpPr>
+        <p:spPr/>
+        <p:txBody>
+          <a:bodyPr/>
+          <a:lstStyle/>
+          <a:p>
+            <a:fld id="{F715EC76-0071-7A44-93BB-E4DD1C89DB1C}" type="slidenum">
+              <a:rPr lang="en-US" smtClean="0"/>
+              <a:pPr/>
+              <a:t>12</a:t>
+            </a:fld>
+            <a:endParaRPr lang="en-US" dirty="0"/>
+          </a:p>
+        </p:txBody>
+      </p:sp>
+    </p:spTree>
+    <p:extLst>
+      <p:ext uri="{BB962C8B-B14F-4D97-AF65-F5344CB8AC3E}">
+        <p14:creationId xmlns:p14="http://schemas.microsoft.com/office/powerpoint/2010/main" val="1824688973"/>
       </p:ext>
     </p:extLst>
   </p:cSld>
@@ -6541,111 +6296,6 @@
             <a:pPr algn="ctr"/>
             <a:r>
               <a:rPr lang="en-AU" sz="6000" dirty="0"/>
-              <a:t>Containers Runtimes &amp; Docker</a:t>
-            </a:r>
-            <a:r>
-              <a:rPr kumimoji="0" lang="en-AU" sz="2000" b="1" i="0" u="none" strike="noStrike" kern="1200" cap="none" spc="0" normalizeH="0" baseline="0" noProof="0" dirty="0">
-                <a:ln>
-                  <a:noFill/>
-                </a:ln>
-                <a:solidFill>
-                  <a:prstClr val="white"/>
-                </a:solidFill>
-                <a:effectLst/>
-                <a:uLnTx/>
-                <a:uFillTx/>
-                <a:latin typeface="Century Gothic"/>
-                <a:ea typeface="+mn-ea"/>
-              </a:rPr>
-              <a:t> 3</a:t>
-            </a:r>
-            <a:endParaRPr lang="en-AU" sz="6000" dirty="0"/>
-          </a:p>
-        </p:txBody>
-      </p:sp>
-      <p:sp>
-        <p:nvSpPr>
-          <p:cNvPr id="5" name="Slide Number Placeholder 4"/>
-          <p:cNvSpPr>
-            <a:spLocks noGrp="1"/>
-          </p:cNvSpPr>
-          <p:nvPr>
-            <p:ph type="sldNum" sz="quarter" idx="4"/>
-          </p:nvPr>
-        </p:nvSpPr>
-        <p:spPr/>
-        <p:txBody>
-          <a:bodyPr/>
-          <a:lstStyle/>
-          <a:p>
-            <a:fld id="{F715EC76-0071-7A44-93BB-E4DD1C89DB1C}" type="slidenum">
-              <a:rPr lang="en-US" smtClean="0"/>
-              <a:pPr/>
-              <a:t>13</a:t>
-            </a:fld>
-            <a:endParaRPr lang="en-US" dirty="0"/>
-          </a:p>
-        </p:txBody>
-      </p:sp>
-    </p:spTree>
-    <p:extLst>
-      <p:ext uri="{BB962C8B-B14F-4D97-AF65-F5344CB8AC3E}">
-        <p14:creationId xmlns:p14="http://schemas.microsoft.com/office/powerpoint/2010/main" val="1824688973"/>
-      </p:ext>
-    </p:extLst>
-  </p:cSld>
-  <p:clrMapOvr>
-    <a:masterClrMapping/>
-  </p:clrMapOvr>
-</p:sld>
-</file>
-
-<file path=ppt/slides/slide14.xml><?xml version="1.0" encoding="utf-8"?>
-<p:sld xmlns:a="http://schemas.openxmlformats.org/drawingml/2006/main" xmlns:r="http://schemas.openxmlformats.org/officeDocument/2006/relationships" xmlns:p="http://schemas.openxmlformats.org/presentationml/2006/main">
-  <p:cSld>
-    <p:spTree>
-      <p:nvGrpSpPr>
-        <p:cNvPr id="1" name=""/>
-        <p:cNvGrpSpPr/>
-        <p:nvPr/>
-      </p:nvGrpSpPr>
-      <p:grpSpPr>
-        <a:xfrm>
-          <a:off x="0" y="0"/>
-          <a:ext cx="0" cy="0"/>
-          <a:chOff x="0" y="0"/>
-          <a:chExt cx="0" cy="0"/>
-        </a:xfrm>
-      </p:grpSpPr>
-      <p:sp>
-        <p:nvSpPr>
-          <p:cNvPr id="2" name="Text Placeholder 1"/>
-          <p:cNvSpPr>
-            <a:spLocks noGrp="1"/>
-          </p:cNvSpPr>
-          <p:nvPr>
-            <p:ph type="body" sz="quarter" idx="10"/>
-          </p:nvPr>
-        </p:nvSpPr>
-        <p:spPr>
-          <a:xfrm>
-            <a:off x="1134533" y="706438"/>
-            <a:ext cx="10238317" cy="3738561"/>
-          </a:xfrm>
-        </p:spPr>
-        <p:txBody>
-          <a:bodyPr>
-            <a:normAutofit/>
-          </a:bodyPr>
-          <a:lstStyle/>
-          <a:p>
-            <a:pPr algn="ctr"/>
-            <a:endParaRPr lang="en-AU" sz="6000" dirty="0"/>
-          </a:p>
-          <a:p>
-            <a:pPr algn="ctr"/>
-            <a:r>
-              <a:rPr lang="en-AU" sz="6000" dirty="0"/>
               <a:t>Container Monitoring and Pods </a:t>
             </a:r>
             <a:r>
@@ -6678,7 +6328,7 @@
             <a:fld id="{F715EC76-0071-7A44-93BB-E4DD1C89DB1C}" type="slidenum">
               <a:rPr lang="en-US" smtClean="0"/>
               <a:pPr/>
-              <a:t>14</a:t>
+              <a:t>13</a:t>
             </a:fld>
             <a:endParaRPr lang="en-US" dirty="0"/>
           </a:p>
@@ -7207,7 +6857,7 @@
               <a:buChar char="•"/>
             </a:pPr>
             <a:r>
-              <a:rPr lang="en-AU" sz="2400" dirty="0"/>
+              <a:rPr lang="en-AU" sz="3200" dirty="0"/>
               <a:t>Build and run a container</a:t>
             </a:r>
           </a:p>
@@ -7217,16 +6867,8 @@
               <a:buChar char="•"/>
             </a:pPr>
             <a:r>
-              <a:rPr lang="en-AU" sz="2400" dirty="0"/>
-              <a:t>Understand how containers work by running </a:t>
-            </a:r>
-            <a:r>
-              <a:rPr lang="en-AU" sz="2400" dirty="0" err="1"/>
-              <a:t>linux</a:t>
-            </a:r>
-            <a:r>
-              <a:rPr lang="en-AU" sz="2400" dirty="0"/>
-              <a:t> commands inside containers</a:t>
+              <a:rPr lang="en-AU" sz="3200" dirty="0"/>
+              <a:t>Investigate and Illuminate what containers are</a:t>
             </a:r>
           </a:p>
           <a:p>
@@ -7235,7 +6877,7 @@
               <a:buChar char="•"/>
             </a:pPr>
             <a:r>
-              <a:rPr lang="en-AU" sz="2400" dirty="0"/>
+              <a:rPr lang="en-AU" sz="3200" dirty="0"/>
               <a:t>Understand image building</a:t>
             </a:r>
           </a:p>
@@ -7245,7 +6887,7 @@
               <a:buChar char="•"/>
             </a:pPr>
             <a:r>
-              <a:rPr lang="en-AU" sz="2400" dirty="0"/>
+              <a:rPr lang="en-AU" sz="3200" dirty="0"/>
               <a:t>Understand container runtimes</a:t>
             </a:r>
           </a:p>
@@ -7255,7 +6897,7 @@
               <a:buChar char="•"/>
             </a:pPr>
             <a:r>
-              <a:rPr lang="en-AU" sz="2400" dirty="0"/>
+              <a:rPr lang="en-AU" sz="3200" dirty="0"/>
               <a:t>Augment our container to mount data </a:t>
             </a:r>
           </a:p>
@@ -7265,8 +6907,8 @@
               <a:buChar char="•"/>
             </a:pPr>
             <a:r>
-              <a:rPr lang="en-AU" sz="2400" dirty="0"/>
-              <a:t>Understand why you’d chose Kubernetes</a:t>
+              <a:rPr lang="en-AU" sz="3200" dirty="0"/>
+              <a:t>Understand the step to k8s and why you’d chose it</a:t>
             </a:r>
           </a:p>
           <a:p>
@@ -7274,17 +6916,7 @@
               <a:buFont typeface="Arial" panose="020B0604020202020204" pitchFamily="34" charset="0"/>
               <a:buChar char="•"/>
             </a:pPr>
-            <a:r>
-              <a:rPr lang="en-AU" sz="2400" dirty="0"/>
-              <a:t>Augment our chart to use a PVC</a:t>
-            </a:r>
-          </a:p>
-          <a:p>
-            <a:pPr marL="457200" indent="-457200">
-              <a:buFont typeface="Arial" panose="020B0604020202020204" pitchFamily="34" charset="0"/>
-              <a:buChar char="•"/>
-            </a:pPr>
-            <a:endParaRPr lang="en-AU" sz="2400" dirty="0"/>
+            <a:endParaRPr lang="en-AU" sz="3200" dirty="0"/>
           </a:p>
           <a:p>
             <a:pPr marL="457200" indent="-457200">

--- a/CodersGroupDocker.pptx
+++ b/CodersGroupDocker.pptx
@@ -5,7 +5,7 @@
     <p:sldMasterId id="2147483648" r:id="rId1"/>
   </p:sldMasterIdLst>
   <p:notesMasterIdLst>
-    <p:notesMasterId r:id="rId15"/>
+    <p:notesMasterId r:id="rId16"/>
   </p:notesMasterIdLst>
   <p:sldIdLst>
     <p:sldId id="256" r:id="rId2"/>
@@ -17,10 +17,11 @@
     <p:sldId id="291" r:id="rId8"/>
     <p:sldId id="295" r:id="rId9"/>
     <p:sldId id="305" r:id="rId10"/>
-    <p:sldId id="307" r:id="rId11"/>
-    <p:sldId id="309" r:id="rId12"/>
-    <p:sldId id="296" r:id="rId13"/>
-    <p:sldId id="297" r:id="rId14"/>
+    <p:sldId id="312" r:id="rId11"/>
+    <p:sldId id="307" r:id="rId12"/>
+    <p:sldId id="309" r:id="rId13"/>
+    <p:sldId id="296" r:id="rId14"/>
+    <p:sldId id="297" r:id="rId15"/>
   </p:sldIdLst>
   <p:sldSz cx="12192000" cy="6858000"/>
   <p:notesSz cx="6858000" cy="9144000"/>
@@ -611,6 +612,29 @@
           <a:bodyPr/>
           <a:lstStyle/>
           <a:p>
+            <a:r>
+              <a:rPr lang="en-AU" sz="1200" dirty="0"/>
+              <a:t>So, we need to explore </a:t>
+            </a:r>
+            <a:r>
+              <a:rPr lang="en-AU" sz="1200" dirty="0" err="1"/>
+              <a:t>linux</a:t>
+            </a:r>
+            <a:r>
+              <a:rPr lang="en-AU" sz="1200" dirty="0"/>
+              <a:t> a little bit</a:t>
+            </a:r>
+          </a:p>
+          <a:p>
+            <a:endParaRPr lang="en-AU" sz="1200" dirty="0"/>
+          </a:p>
+          <a:p>
+            <a:r>
+              <a:rPr lang="en-AU" sz="1200" dirty="0"/>
+              <a:t>So, lets do some docker and explore our containers</a:t>
+            </a:r>
+          </a:p>
+          <a:p>
             <a:endParaRPr lang="en-AU" sz="1200" dirty="0"/>
           </a:p>
         </p:txBody>
@@ -641,7 +665,7 @@
     </p:spTree>
     <p:extLst>
       <p:ext uri="{BB962C8B-B14F-4D97-AF65-F5344CB8AC3E}">
-        <p14:creationId xmlns:p14="http://schemas.microsoft.com/office/powerpoint/2010/main" val="1968761045"/>
+        <p14:creationId xmlns:p14="http://schemas.microsoft.com/office/powerpoint/2010/main" val="2676360787"/>
       </p:ext>
     </p:extLst>
   </p:cSld>
@@ -695,37 +719,7 @@
           <a:bodyPr/>
           <a:lstStyle/>
           <a:p>
-            <a:r>
-              <a:rPr lang="en-AU" b="0" dirty="0">
-                <a:solidFill>
-                  <a:srgbClr val="D4D4D4"/>
-                </a:solidFill>
-                <a:effectLst/>
-                <a:latin typeface="Consolas" panose="020B0609020204030204" pitchFamily="49" charset="0"/>
-              </a:rPr>
-              <a:t>https://www.ianlewis.org/en/container-runtimes-part-1-introduction-container-r</a:t>
-            </a:r>
-          </a:p>
-          <a:p>
-            <a:br>
-              <a:rPr lang="en-AU" b="0" dirty="0">
-                <a:solidFill>
-                  <a:srgbClr val="D4D4D4"/>
-                </a:solidFill>
-                <a:effectLst/>
-                <a:latin typeface="Consolas" panose="020B0609020204030204" pitchFamily="49" charset="0"/>
-              </a:rPr>
-            </a:br>
-            <a:endParaRPr lang="en-AU" b="0" dirty="0">
-              <a:solidFill>
-                <a:srgbClr val="D4D4D4"/>
-              </a:solidFill>
-              <a:effectLst/>
-              <a:latin typeface="Consolas" panose="020B0609020204030204" pitchFamily="49" charset="0"/>
-            </a:endParaRPr>
-          </a:p>
-          <a:p>
-            <a:endParaRPr lang="en-AU" dirty="0"/>
+            <a:endParaRPr lang="en-AU" sz="1200" dirty="0"/>
           </a:p>
         </p:txBody>
       </p:sp>
@@ -755,7 +749,7 @@
     </p:spTree>
     <p:extLst>
       <p:ext uri="{BB962C8B-B14F-4D97-AF65-F5344CB8AC3E}">
-        <p14:creationId xmlns:p14="http://schemas.microsoft.com/office/powerpoint/2010/main" val="3863869726"/>
+        <p14:creationId xmlns:p14="http://schemas.microsoft.com/office/powerpoint/2010/main" val="1968761045"/>
       </p:ext>
     </p:extLst>
   </p:cSld>
@@ -810,66 +804,36 @@
           <a:lstStyle/>
           <a:p>
             <a:r>
-              <a:rPr lang="en-AU" sz="1200" dirty="0"/>
-              <a:t>Ok – so we know what a container is now, and we’ve built some, inspected some images, how would we build one ?</a:t>
-            </a:r>
-          </a:p>
-          <a:p>
-            <a:endParaRPr lang="en-AU" sz="1200" dirty="0"/>
-          </a:p>
-          <a:p>
-            <a:r>
-              <a:rPr lang="en-AU" sz="1200" dirty="0"/>
-              <a:t>Practically building containers </a:t>
-            </a:r>
-          </a:p>
-          <a:p>
-            <a:r>
-              <a:rPr lang="en-AU" sz="1200" dirty="0"/>
-              <a:t>Well we will use docker, but I stress this is only one way !</a:t>
-            </a:r>
-          </a:p>
-          <a:p>
-            <a:endParaRPr lang="en-AU" sz="1200" dirty="0"/>
-          </a:p>
-          <a:p>
-            <a:r>
-              <a:rPr lang="en-AU" sz="1200" dirty="0"/>
-              <a:t>We’ve used 3 here – docker, </a:t>
-            </a:r>
-            <a:r>
-              <a:rPr lang="en-AU" sz="1200" dirty="0" err="1"/>
-              <a:t>kaniko</a:t>
-            </a:r>
-            <a:r>
-              <a:rPr lang="en-AU" sz="1200" dirty="0"/>
-              <a:t> and jib</a:t>
-            </a:r>
-          </a:p>
-          <a:p>
-            <a:endParaRPr lang="en-AU" sz="1200" dirty="0"/>
-          </a:p>
-          <a:p>
-            <a:r>
-              <a:rPr lang="en-AU" sz="1200" dirty="0"/>
-              <a:t>Ok – docker commands to run it – observe link between commands and namespaces </a:t>
-            </a:r>
-            <a:r>
-              <a:rPr lang="en-AU" sz="1200" dirty="0" err="1"/>
-              <a:t>e.g</a:t>
-            </a:r>
-            <a:r>
-              <a:rPr lang="en-AU" sz="1200" dirty="0"/>
-              <a:t> </a:t>
-            </a:r>
-            <a:r>
-              <a:rPr lang="en-AU" sz="1200" dirty="0" err="1"/>
-              <a:t>pid</a:t>
-            </a:r>
-            <a:r>
-              <a:rPr lang="en-AU" sz="1200" dirty="0"/>
-              <a:t> namespace</a:t>
-            </a:r>
+              <a:rPr lang="en-AU" b="0" dirty="0">
+                <a:solidFill>
+                  <a:srgbClr val="D4D4D4"/>
+                </a:solidFill>
+                <a:effectLst/>
+                <a:latin typeface="Consolas" panose="020B0609020204030204" pitchFamily="49" charset="0"/>
+              </a:rPr>
+              <a:t>https://www.ianlewis.org/en/container-runtimes-part-1-introduction-container-r</a:t>
+            </a:r>
+          </a:p>
+          <a:p>
+            <a:br>
+              <a:rPr lang="en-AU" b="0" dirty="0">
+                <a:solidFill>
+                  <a:srgbClr val="D4D4D4"/>
+                </a:solidFill>
+                <a:effectLst/>
+                <a:latin typeface="Consolas" panose="020B0609020204030204" pitchFamily="49" charset="0"/>
+              </a:rPr>
+            </a:br>
+            <a:endParaRPr lang="en-AU" b="0" dirty="0">
+              <a:solidFill>
+                <a:srgbClr val="D4D4D4"/>
+              </a:solidFill>
+              <a:effectLst/>
+              <a:latin typeface="Consolas" panose="020B0609020204030204" pitchFamily="49" charset="0"/>
+            </a:endParaRPr>
+          </a:p>
+          <a:p>
+            <a:endParaRPr lang="en-AU" dirty="0"/>
           </a:p>
         </p:txBody>
       </p:sp>
@@ -899,7 +863,7 @@
     </p:spTree>
     <p:extLst>
       <p:ext uri="{BB962C8B-B14F-4D97-AF65-F5344CB8AC3E}">
-        <p14:creationId xmlns:p14="http://schemas.microsoft.com/office/powerpoint/2010/main" val="1994887120"/>
+        <p14:creationId xmlns:p14="http://schemas.microsoft.com/office/powerpoint/2010/main" val="3863869726"/>
       </p:ext>
     </p:extLst>
   </p:cSld>
@@ -954,6 +918,150 @@
           <a:lstStyle/>
           <a:p>
             <a:r>
+              <a:rPr lang="en-AU" sz="1200" dirty="0"/>
+              <a:t>Ok – so we know what a container is now, and we’ve built some, inspected some images, how would we build one ?</a:t>
+            </a:r>
+          </a:p>
+          <a:p>
+            <a:endParaRPr lang="en-AU" sz="1200" dirty="0"/>
+          </a:p>
+          <a:p>
+            <a:r>
+              <a:rPr lang="en-AU" sz="1200" dirty="0"/>
+              <a:t>Practically building containers </a:t>
+            </a:r>
+          </a:p>
+          <a:p>
+            <a:r>
+              <a:rPr lang="en-AU" sz="1200" dirty="0"/>
+              <a:t>Well we will use docker, but I stress this is only one way !</a:t>
+            </a:r>
+          </a:p>
+          <a:p>
+            <a:endParaRPr lang="en-AU" sz="1200" dirty="0"/>
+          </a:p>
+          <a:p>
+            <a:r>
+              <a:rPr lang="en-AU" sz="1200" dirty="0"/>
+              <a:t>We’ve used 3 here – docker, </a:t>
+            </a:r>
+            <a:r>
+              <a:rPr lang="en-AU" sz="1200" dirty="0" err="1"/>
+              <a:t>kaniko</a:t>
+            </a:r>
+            <a:r>
+              <a:rPr lang="en-AU" sz="1200" dirty="0"/>
+              <a:t> and jib</a:t>
+            </a:r>
+          </a:p>
+          <a:p>
+            <a:endParaRPr lang="en-AU" sz="1200" dirty="0"/>
+          </a:p>
+          <a:p>
+            <a:r>
+              <a:rPr lang="en-AU" sz="1200" dirty="0"/>
+              <a:t>Ok – docker commands to run it – observe link between commands and namespaces </a:t>
+            </a:r>
+            <a:r>
+              <a:rPr lang="en-AU" sz="1200" dirty="0" err="1"/>
+              <a:t>e.g</a:t>
+            </a:r>
+            <a:r>
+              <a:rPr lang="en-AU" sz="1200" dirty="0"/>
+              <a:t> </a:t>
+            </a:r>
+            <a:r>
+              <a:rPr lang="en-AU" sz="1200" dirty="0" err="1"/>
+              <a:t>pid</a:t>
+            </a:r>
+            <a:r>
+              <a:rPr lang="en-AU" sz="1200" dirty="0"/>
+              <a:t> namespace</a:t>
+            </a:r>
+          </a:p>
+        </p:txBody>
+      </p:sp>
+      <p:sp>
+        <p:nvSpPr>
+          <p:cNvPr id="4" name="Slide Number Placeholder 3"/>
+          <p:cNvSpPr>
+            <a:spLocks noGrp="1"/>
+          </p:cNvSpPr>
+          <p:nvPr>
+            <p:ph type="sldNum" sz="quarter" idx="10"/>
+          </p:nvPr>
+        </p:nvSpPr>
+        <p:spPr/>
+        <p:txBody>
+          <a:bodyPr/>
+          <a:lstStyle/>
+          <a:p>
+            <a:fld id="{81889535-4C9A-4919-8C6D-C0E39E76FE81}" type="slidenum">
+              <a:rPr lang="en-AU" smtClean="0"/>
+              <a:t>13</a:t>
+            </a:fld>
+            <a:endParaRPr lang="en-AU"/>
+          </a:p>
+        </p:txBody>
+      </p:sp>
+    </p:spTree>
+    <p:extLst>
+      <p:ext uri="{BB962C8B-B14F-4D97-AF65-F5344CB8AC3E}">
+        <p14:creationId xmlns:p14="http://schemas.microsoft.com/office/powerpoint/2010/main" val="1994887120"/>
+      </p:ext>
+    </p:extLst>
+  </p:cSld>
+  <p:clrMapOvr>
+    <a:masterClrMapping/>
+  </p:clrMapOvr>
+</p:notes>
+</file>
+
+<file path=ppt/notesSlides/notesSlide14.xml><?xml version="1.0" encoding="utf-8"?>
+<p:notes xmlns:a="http://schemas.openxmlformats.org/drawingml/2006/main" xmlns:r="http://schemas.openxmlformats.org/officeDocument/2006/relationships" xmlns:p="http://schemas.openxmlformats.org/presentationml/2006/main">
+  <p:cSld>
+    <p:spTree>
+      <p:nvGrpSpPr>
+        <p:cNvPr id="1" name=""/>
+        <p:cNvGrpSpPr/>
+        <p:nvPr/>
+      </p:nvGrpSpPr>
+      <p:grpSpPr>
+        <a:xfrm>
+          <a:off x="0" y="0"/>
+          <a:ext cx="0" cy="0"/>
+          <a:chOff x="0" y="0"/>
+          <a:chExt cx="0" cy="0"/>
+        </a:xfrm>
+      </p:grpSpPr>
+      <p:sp>
+        <p:nvSpPr>
+          <p:cNvPr id="2" name="Slide Image Placeholder 1"/>
+          <p:cNvSpPr>
+            <a:spLocks noGrp="1" noRot="1" noChangeAspect="1"/>
+          </p:cNvSpPr>
+          <p:nvPr>
+            <p:ph type="sldImg"/>
+          </p:nvPr>
+        </p:nvSpPr>
+        <p:spPr/>
+      </p:sp>
+      <p:sp>
+        <p:nvSpPr>
+          <p:cNvPr id="3" name="Notes Placeholder 2"/>
+          <p:cNvSpPr>
+            <a:spLocks noGrp="1"/>
+          </p:cNvSpPr>
+          <p:nvPr>
+            <p:ph type="body" idx="1"/>
+          </p:nvPr>
+        </p:nvSpPr>
+        <p:spPr/>
+        <p:txBody>
+          <a:bodyPr/>
+          <a:lstStyle/>
+          <a:p>
+            <a:r>
               <a:rPr lang="en-AU" sz="1200" dirty="0">
                 <a:hlinkClick r:id="rId3"/>
               </a:rPr>
@@ -1142,7 +1250,7 @@
           <a:p>
             <a:fld id="{81889535-4C9A-4919-8C6D-C0E39E76FE81}" type="slidenum">
               <a:rPr lang="en-AU" smtClean="0"/>
-              <a:t>13</a:t>
+              <a:t>14</a:t>
             </a:fld>
             <a:endParaRPr lang="en-AU"/>
           </a:p>
@@ -5791,6 +5899,117 @@
             <p:ph type="body" sz="quarter" idx="10"/>
           </p:nvPr>
         </p:nvSpPr>
+        <p:spPr>
+          <a:xfrm>
+            <a:off x="1134533" y="706438"/>
+            <a:ext cx="10238317" cy="3738561"/>
+          </a:xfrm>
+        </p:spPr>
+        <p:txBody>
+          <a:bodyPr>
+            <a:normAutofit/>
+          </a:bodyPr>
+          <a:lstStyle/>
+          <a:p>
+            <a:pPr algn="ctr"/>
+            <a:endParaRPr lang="en-AU" sz="6000" dirty="0"/>
+          </a:p>
+        </p:txBody>
+      </p:sp>
+      <p:sp>
+        <p:nvSpPr>
+          <p:cNvPr id="5" name="Slide Number Placeholder 4"/>
+          <p:cNvSpPr>
+            <a:spLocks noGrp="1"/>
+          </p:cNvSpPr>
+          <p:nvPr>
+            <p:ph type="sldNum" sz="quarter" idx="4"/>
+          </p:nvPr>
+        </p:nvSpPr>
+        <p:spPr/>
+        <p:txBody>
+          <a:bodyPr/>
+          <a:lstStyle/>
+          <a:p>
+            <a:fld id="{F715EC76-0071-7A44-93BB-E4DD1C89DB1C}" type="slidenum">
+              <a:rPr lang="en-US" smtClean="0"/>
+              <a:pPr/>
+              <a:t>10</a:t>
+            </a:fld>
+            <a:endParaRPr lang="en-US" dirty="0"/>
+          </a:p>
+        </p:txBody>
+      </p:sp>
+      <p:pic>
+        <p:nvPicPr>
+          <p:cNvPr id="4" name="Picture 3">
+            <a:extLst>
+              <a:ext uri="{FF2B5EF4-FFF2-40B4-BE49-F238E27FC236}">
+                <a16:creationId xmlns:a16="http://schemas.microsoft.com/office/drawing/2014/main" id="{3F34217D-0749-6811-EDA5-51AF3F9F74AB}"/>
+              </a:ext>
+            </a:extLst>
+          </p:cNvPr>
+          <p:cNvPicPr>
+            <a:picLocks noChangeAspect="1"/>
+          </p:cNvPicPr>
+          <p:nvPr/>
+        </p:nvPicPr>
+        <p:blipFill>
+          <a:blip r:embed="rId3"/>
+          <a:stretch>
+            <a:fillRect/>
+          </a:stretch>
+        </p:blipFill>
+        <p:spPr>
+          <a:xfrm>
+            <a:off x="0" y="771428"/>
+            <a:ext cx="12192000" cy="5315144"/>
+          </a:xfrm>
+          <a:prstGeom prst="rect">
+            <a:avLst/>
+          </a:prstGeom>
+        </p:spPr>
+      </p:pic>
+    </p:spTree>
+    <p:extLst>
+      <p:ext uri="{BB962C8B-B14F-4D97-AF65-F5344CB8AC3E}">
+        <p14:creationId xmlns:p14="http://schemas.microsoft.com/office/powerpoint/2010/main" val="2955446813"/>
+      </p:ext>
+    </p:extLst>
+  </p:cSld>
+  <p:clrMapOvr>
+    <a:masterClrMapping/>
+  </p:clrMapOvr>
+</p:sld>
+</file>
+
+<file path=ppt/slides/slide11.xml><?xml version="1.0" encoding="utf-8"?>
+<p:sld xmlns:a="http://schemas.openxmlformats.org/drawingml/2006/main" xmlns:r="http://schemas.openxmlformats.org/officeDocument/2006/relationships" xmlns:p="http://schemas.openxmlformats.org/presentationml/2006/main">
+  <p:cSld>
+    <p:spTree>
+      <p:nvGrpSpPr>
+        <p:cNvPr id="1" name=""/>
+        <p:cNvGrpSpPr/>
+        <p:nvPr/>
+      </p:nvGrpSpPr>
+      <p:grpSpPr>
+        <a:xfrm>
+          <a:off x="0" y="0"/>
+          <a:ext cx="0" cy="0"/>
+          <a:chOff x="0" y="0"/>
+          <a:chExt cx="0" cy="0"/>
+        </a:xfrm>
+      </p:grpSpPr>
+      <p:sp>
+        <p:nvSpPr>
+          <p:cNvPr id="2" name="Text Placeholder 1"/>
+          <p:cNvSpPr>
+            <a:spLocks noGrp="1"/>
+          </p:cNvSpPr>
+          <p:nvPr>
+            <p:ph type="body" sz="quarter" idx="10"/>
+          </p:nvPr>
+        </p:nvSpPr>
         <p:spPr/>
         <p:txBody>
           <a:bodyPr>
@@ -5852,7 +6071,7 @@
             <a:fld id="{F715EC76-0071-7A44-93BB-E4DD1C89DB1C}" type="slidenum">
               <a:rPr lang="en-US" smtClean="0"/>
               <a:pPr/>
-              <a:t>10</a:t>
+              <a:t>11</a:t>
             </a:fld>
             <a:endParaRPr lang="en-US" dirty="0"/>
           </a:p>
@@ -5918,7 +6137,7 @@
 </p:sld>
 </file>
 
-<file path=ppt/slides/slide11.xml><?xml version="1.0" encoding="utf-8"?>
+<file path=ppt/slides/slide12.xml><?xml version="1.0" encoding="utf-8"?>
 <p:sld xmlns:a="http://schemas.openxmlformats.org/drawingml/2006/main" xmlns:r="http://schemas.openxmlformats.org/officeDocument/2006/relationships" xmlns:p="http://schemas.openxmlformats.org/presentationml/2006/main">
   <p:cSld>
     <p:spTree>
@@ -6081,7 +6300,7 @@
             <a:fld id="{F715EC76-0071-7A44-93BB-E4DD1C89DB1C}" type="slidenum">
               <a:rPr lang="en-US" smtClean="0"/>
               <a:pPr/>
-              <a:t>11</a:t>
+              <a:t>12</a:t>
             </a:fld>
             <a:endParaRPr lang="en-US" dirty="0"/>
           </a:p>
@@ -6136,111 +6355,6 @@
     <p:extLst>
       <p:ext uri="{BB962C8B-B14F-4D97-AF65-F5344CB8AC3E}">
         <p14:creationId xmlns:p14="http://schemas.microsoft.com/office/powerpoint/2010/main" val="2337742104"/>
-      </p:ext>
-    </p:extLst>
-  </p:cSld>
-  <p:clrMapOvr>
-    <a:masterClrMapping/>
-  </p:clrMapOvr>
-</p:sld>
-</file>
-
-<file path=ppt/slides/slide12.xml><?xml version="1.0" encoding="utf-8"?>
-<p:sld xmlns:a="http://schemas.openxmlformats.org/drawingml/2006/main" xmlns:r="http://schemas.openxmlformats.org/officeDocument/2006/relationships" xmlns:p="http://schemas.openxmlformats.org/presentationml/2006/main">
-  <p:cSld>
-    <p:spTree>
-      <p:nvGrpSpPr>
-        <p:cNvPr id="1" name=""/>
-        <p:cNvGrpSpPr/>
-        <p:nvPr/>
-      </p:nvGrpSpPr>
-      <p:grpSpPr>
-        <a:xfrm>
-          <a:off x="0" y="0"/>
-          <a:ext cx="0" cy="0"/>
-          <a:chOff x="0" y="0"/>
-          <a:chExt cx="0" cy="0"/>
-        </a:xfrm>
-      </p:grpSpPr>
-      <p:sp>
-        <p:nvSpPr>
-          <p:cNvPr id="2" name="Text Placeholder 1"/>
-          <p:cNvSpPr>
-            <a:spLocks noGrp="1"/>
-          </p:cNvSpPr>
-          <p:nvPr>
-            <p:ph type="body" sz="quarter" idx="10"/>
-          </p:nvPr>
-        </p:nvSpPr>
-        <p:spPr>
-          <a:xfrm>
-            <a:off x="1134533" y="706438"/>
-            <a:ext cx="10238317" cy="3738561"/>
-          </a:xfrm>
-        </p:spPr>
-        <p:txBody>
-          <a:bodyPr>
-            <a:normAutofit/>
-          </a:bodyPr>
-          <a:lstStyle/>
-          <a:p>
-            <a:pPr algn="ctr"/>
-            <a:endParaRPr lang="en-AU" sz="6000" dirty="0"/>
-          </a:p>
-          <a:p>
-            <a:pPr algn="ctr"/>
-            <a:r>
-              <a:rPr lang="en-AU" sz="6000" dirty="0"/>
-              <a:t>Containers Runtimes &amp; Docker</a:t>
-            </a:r>
-            <a:r>
-              <a:rPr kumimoji="0" lang="en-AU" sz="2000" b="1" i="0" u="none" strike="noStrike" kern="1200" cap="none" spc="0" normalizeH="0" baseline="0" noProof="0" dirty="0">
-                <a:ln>
-                  <a:noFill/>
-                </a:ln>
-                <a:solidFill>
-                  <a:prstClr val="white"/>
-                </a:solidFill>
-                <a:effectLst/>
-                <a:uLnTx/>
-                <a:uFillTx/>
-                <a:latin typeface="Century Gothic"/>
-                <a:ea typeface="+mn-ea"/>
-              </a:rPr>
-              <a:t> 3</a:t>
-            </a:r>
-            <a:endParaRPr lang="en-AU" sz="6000" dirty="0"/>
-          </a:p>
-        </p:txBody>
-      </p:sp>
-      <p:sp>
-        <p:nvSpPr>
-          <p:cNvPr id="5" name="Slide Number Placeholder 4"/>
-          <p:cNvSpPr>
-            <a:spLocks noGrp="1"/>
-          </p:cNvSpPr>
-          <p:nvPr>
-            <p:ph type="sldNum" sz="quarter" idx="4"/>
-          </p:nvPr>
-        </p:nvSpPr>
-        <p:spPr/>
-        <p:txBody>
-          <a:bodyPr/>
-          <a:lstStyle/>
-          <a:p>
-            <a:fld id="{F715EC76-0071-7A44-93BB-E4DD1C89DB1C}" type="slidenum">
-              <a:rPr lang="en-US" smtClean="0"/>
-              <a:pPr/>
-              <a:t>12</a:t>
-            </a:fld>
-            <a:endParaRPr lang="en-US" dirty="0"/>
-          </a:p>
-        </p:txBody>
-      </p:sp>
-    </p:spTree>
-    <p:extLst>
-      <p:ext uri="{BB962C8B-B14F-4D97-AF65-F5344CB8AC3E}">
-        <p14:creationId xmlns:p14="http://schemas.microsoft.com/office/powerpoint/2010/main" val="1824688973"/>
       </p:ext>
     </p:extLst>
   </p:cSld>
@@ -6296,6 +6410,111 @@
             <a:pPr algn="ctr"/>
             <a:r>
               <a:rPr lang="en-AU" sz="6000" dirty="0"/>
+              <a:t>Containers Runtimes &amp; Docker</a:t>
+            </a:r>
+            <a:r>
+              <a:rPr kumimoji="0" lang="en-AU" sz="2000" b="1" i="0" u="none" strike="noStrike" kern="1200" cap="none" spc="0" normalizeH="0" baseline="0" noProof="0" dirty="0">
+                <a:ln>
+                  <a:noFill/>
+                </a:ln>
+                <a:solidFill>
+                  <a:prstClr val="white"/>
+                </a:solidFill>
+                <a:effectLst/>
+                <a:uLnTx/>
+                <a:uFillTx/>
+                <a:latin typeface="Century Gothic"/>
+                <a:ea typeface="+mn-ea"/>
+              </a:rPr>
+              <a:t> 3</a:t>
+            </a:r>
+            <a:endParaRPr lang="en-AU" sz="6000" dirty="0"/>
+          </a:p>
+        </p:txBody>
+      </p:sp>
+      <p:sp>
+        <p:nvSpPr>
+          <p:cNvPr id="5" name="Slide Number Placeholder 4"/>
+          <p:cNvSpPr>
+            <a:spLocks noGrp="1"/>
+          </p:cNvSpPr>
+          <p:nvPr>
+            <p:ph type="sldNum" sz="quarter" idx="4"/>
+          </p:nvPr>
+        </p:nvSpPr>
+        <p:spPr/>
+        <p:txBody>
+          <a:bodyPr/>
+          <a:lstStyle/>
+          <a:p>
+            <a:fld id="{F715EC76-0071-7A44-93BB-E4DD1C89DB1C}" type="slidenum">
+              <a:rPr lang="en-US" smtClean="0"/>
+              <a:pPr/>
+              <a:t>13</a:t>
+            </a:fld>
+            <a:endParaRPr lang="en-US" dirty="0"/>
+          </a:p>
+        </p:txBody>
+      </p:sp>
+    </p:spTree>
+    <p:extLst>
+      <p:ext uri="{BB962C8B-B14F-4D97-AF65-F5344CB8AC3E}">
+        <p14:creationId xmlns:p14="http://schemas.microsoft.com/office/powerpoint/2010/main" val="1824688973"/>
+      </p:ext>
+    </p:extLst>
+  </p:cSld>
+  <p:clrMapOvr>
+    <a:masterClrMapping/>
+  </p:clrMapOvr>
+</p:sld>
+</file>
+
+<file path=ppt/slides/slide14.xml><?xml version="1.0" encoding="utf-8"?>
+<p:sld xmlns:a="http://schemas.openxmlformats.org/drawingml/2006/main" xmlns:r="http://schemas.openxmlformats.org/officeDocument/2006/relationships" xmlns:p="http://schemas.openxmlformats.org/presentationml/2006/main">
+  <p:cSld>
+    <p:spTree>
+      <p:nvGrpSpPr>
+        <p:cNvPr id="1" name=""/>
+        <p:cNvGrpSpPr/>
+        <p:nvPr/>
+      </p:nvGrpSpPr>
+      <p:grpSpPr>
+        <a:xfrm>
+          <a:off x="0" y="0"/>
+          <a:ext cx="0" cy="0"/>
+          <a:chOff x="0" y="0"/>
+          <a:chExt cx="0" cy="0"/>
+        </a:xfrm>
+      </p:grpSpPr>
+      <p:sp>
+        <p:nvSpPr>
+          <p:cNvPr id="2" name="Text Placeholder 1"/>
+          <p:cNvSpPr>
+            <a:spLocks noGrp="1"/>
+          </p:cNvSpPr>
+          <p:nvPr>
+            <p:ph type="body" sz="quarter" idx="10"/>
+          </p:nvPr>
+        </p:nvSpPr>
+        <p:spPr>
+          <a:xfrm>
+            <a:off x="1134533" y="706438"/>
+            <a:ext cx="10238317" cy="3738561"/>
+          </a:xfrm>
+        </p:spPr>
+        <p:txBody>
+          <a:bodyPr>
+            <a:normAutofit/>
+          </a:bodyPr>
+          <a:lstStyle/>
+          <a:p>
+            <a:pPr algn="ctr"/>
+            <a:endParaRPr lang="en-AU" sz="6000" dirty="0"/>
+          </a:p>
+          <a:p>
+            <a:pPr algn="ctr"/>
+            <a:r>
+              <a:rPr lang="en-AU" sz="6000" dirty="0"/>
               <a:t>Container Monitoring and Pods </a:t>
             </a:r>
             <a:r>
@@ -6328,7 +6547,7 @@
             <a:fld id="{F715EC76-0071-7A44-93BB-E4DD1C89DB1C}" type="slidenum">
               <a:rPr lang="en-US" smtClean="0"/>
               <a:pPr/>
-              <a:t>13</a:t>
+              <a:t>14</a:t>
             </a:fld>
             <a:endParaRPr lang="en-US" dirty="0"/>
           </a:p>

--- a/CodersGroupDocker.pptx
+++ b/CodersGroupDocker.pptx
@@ -5,7 +5,7 @@
     <p:sldMasterId id="2147483648" r:id="rId1"/>
   </p:sldMasterIdLst>
   <p:notesMasterIdLst>
-    <p:notesMasterId r:id="rId16"/>
+    <p:notesMasterId r:id="rId18"/>
   </p:notesMasterIdLst>
   <p:sldIdLst>
     <p:sldId id="256" r:id="rId2"/>
@@ -16,12 +16,14 @@
     <p:sldId id="294" r:id="rId7"/>
     <p:sldId id="291" r:id="rId8"/>
     <p:sldId id="295" r:id="rId9"/>
-    <p:sldId id="305" r:id="rId10"/>
-    <p:sldId id="312" r:id="rId11"/>
-    <p:sldId id="307" r:id="rId12"/>
-    <p:sldId id="309" r:id="rId13"/>
-    <p:sldId id="296" r:id="rId14"/>
-    <p:sldId id="297" r:id="rId15"/>
+    <p:sldId id="313" r:id="rId10"/>
+    <p:sldId id="305" r:id="rId11"/>
+    <p:sldId id="312" r:id="rId12"/>
+    <p:sldId id="307" r:id="rId13"/>
+    <p:sldId id="309" r:id="rId14"/>
+    <p:sldId id="296" r:id="rId15"/>
+    <p:sldId id="297" r:id="rId16"/>
+    <p:sldId id="314" r:id="rId17"/>
   </p:sldIdLst>
   <p:sldSz cx="12192000" cy="6858000"/>
   <p:notesSz cx="6858000" cy="9144000"/>
@@ -665,7 +667,7 @@
     </p:spTree>
     <p:extLst>
       <p:ext uri="{BB962C8B-B14F-4D97-AF65-F5344CB8AC3E}">
-        <p14:creationId xmlns:p14="http://schemas.microsoft.com/office/powerpoint/2010/main" val="2676360787"/>
+        <p14:creationId xmlns:p14="http://schemas.microsoft.com/office/powerpoint/2010/main" val="2034037474"/>
       </p:ext>
     </p:extLst>
   </p:cSld>
@@ -719,6 +721,29 @@
           <a:bodyPr/>
           <a:lstStyle/>
           <a:p>
+            <a:r>
+              <a:rPr lang="en-AU" sz="1200" dirty="0"/>
+              <a:t>So, we need to explore </a:t>
+            </a:r>
+            <a:r>
+              <a:rPr lang="en-AU" sz="1200" dirty="0" err="1"/>
+              <a:t>linux</a:t>
+            </a:r>
+            <a:r>
+              <a:rPr lang="en-AU" sz="1200" dirty="0"/>
+              <a:t> a little bit</a:t>
+            </a:r>
+          </a:p>
+          <a:p>
+            <a:endParaRPr lang="en-AU" sz="1200" dirty="0"/>
+          </a:p>
+          <a:p>
+            <a:r>
+              <a:rPr lang="en-AU" sz="1200" dirty="0"/>
+              <a:t>So, lets do some docker and explore our containers</a:t>
+            </a:r>
+          </a:p>
+          <a:p>
             <a:endParaRPr lang="en-AU" sz="1200" dirty="0"/>
           </a:p>
         </p:txBody>
@@ -749,7 +774,7 @@
     </p:spTree>
     <p:extLst>
       <p:ext uri="{BB962C8B-B14F-4D97-AF65-F5344CB8AC3E}">
-        <p14:creationId xmlns:p14="http://schemas.microsoft.com/office/powerpoint/2010/main" val="1968761045"/>
+        <p14:creationId xmlns:p14="http://schemas.microsoft.com/office/powerpoint/2010/main" val="2676360787"/>
       </p:ext>
     </p:extLst>
   </p:cSld>
@@ -803,37 +828,7 @@
           <a:bodyPr/>
           <a:lstStyle/>
           <a:p>
-            <a:r>
-              <a:rPr lang="en-AU" b="0" dirty="0">
-                <a:solidFill>
-                  <a:srgbClr val="D4D4D4"/>
-                </a:solidFill>
-                <a:effectLst/>
-                <a:latin typeface="Consolas" panose="020B0609020204030204" pitchFamily="49" charset="0"/>
-              </a:rPr>
-              <a:t>https://www.ianlewis.org/en/container-runtimes-part-1-introduction-container-r</a:t>
-            </a:r>
-          </a:p>
-          <a:p>
-            <a:br>
-              <a:rPr lang="en-AU" b="0" dirty="0">
-                <a:solidFill>
-                  <a:srgbClr val="D4D4D4"/>
-                </a:solidFill>
-                <a:effectLst/>
-                <a:latin typeface="Consolas" panose="020B0609020204030204" pitchFamily="49" charset="0"/>
-              </a:rPr>
-            </a:br>
-            <a:endParaRPr lang="en-AU" b="0" dirty="0">
-              <a:solidFill>
-                <a:srgbClr val="D4D4D4"/>
-              </a:solidFill>
-              <a:effectLst/>
-              <a:latin typeface="Consolas" panose="020B0609020204030204" pitchFamily="49" charset="0"/>
-            </a:endParaRPr>
-          </a:p>
-          <a:p>
-            <a:endParaRPr lang="en-AU" dirty="0"/>
+            <a:endParaRPr lang="en-AU" sz="1200" dirty="0"/>
           </a:p>
         </p:txBody>
       </p:sp>
@@ -863,7 +858,7 @@
     </p:spTree>
     <p:extLst>
       <p:ext uri="{BB962C8B-B14F-4D97-AF65-F5344CB8AC3E}">
-        <p14:creationId xmlns:p14="http://schemas.microsoft.com/office/powerpoint/2010/main" val="3863869726"/>
+        <p14:creationId xmlns:p14="http://schemas.microsoft.com/office/powerpoint/2010/main" val="1968761045"/>
       </p:ext>
     </p:extLst>
   </p:cSld>
@@ -918,66 +913,36 @@
           <a:lstStyle/>
           <a:p>
             <a:r>
-              <a:rPr lang="en-AU" sz="1200" dirty="0"/>
-              <a:t>Ok – so we know what a container is now, and we’ve built some, inspected some images, how would we build one ?</a:t>
-            </a:r>
-          </a:p>
-          <a:p>
-            <a:endParaRPr lang="en-AU" sz="1200" dirty="0"/>
-          </a:p>
-          <a:p>
-            <a:r>
-              <a:rPr lang="en-AU" sz="1200" dirty="0"/>
-              <a:t>Practically building containers </a:t>
-            </a:r>
-          </a:p>
-          <a:p>
-            <a:r>
-              <a:rPr lang="en-AU" sz="1200" dirty="0"/>
-              <a:t>Well we will use docker, but I stress this is only one way !</a:t>
-            </a:r>
-          </a:p>
-          <a:p>
-            <a:endParaRPr lang="en-AU" sz="1200" dirty="0"/>
-          </a:p>
-          <a:p>
-            <a:r>
-              <a:rPr lang="en-AU" sz="1200" dirty="0"/>
-              <a:t>We’ve used 3 here – docker, </a:t>
-            </a:r>
-            <a:r>
-              <a:rPr lang="en-AU" sz="1200" dirty="0" err="1"/>
-              <a:t>kaniko</a:t>
-            </a:r>
-            <a:r>
-              <a:rPr lang="en-AU" sz="1200" dirty="0"/>
-              <a:t> and jib</a:t>
-            </a:r>
-          </a:p>
-          <a:p>
-            <a:endParaRPr lang="en-AU" sz="1200" dirty="0"/>
-          </a:p>
-          <a:p>
-            <a:r>
-              <a:rPr lang="en-AU" sz="1200" dirty="0"/>
-              <a:t>Ok – docker commands to run it – observe link between commands and namespaces </a:t>
-            </a:r>
-            <a:r>
-              <a:rPr lang="en-AU" sz="1200" dirty="0" err="1"/>
-              <a:t>e.g</a:t>
-            </a:r>
-            <a:r>
-              <a:rPr lang="en-AU" sz="1200" dirty="0"/>
-              <a:t> </a:t>
-            </a:r>
-            <a:r>
-              <a:rPr lang="en-AU" sz="1200" dirty="0" err="1"/>
-              <a:t>pid</a:t>
-            </a:r>
-            <a:r>
-              <a:rPr lang="en-AU" sz="1200" dirty="0"/>
-              <a:t> namespace</a:t>
-            </a:r>
+              <a:rPr lang="en-AU" b="0" dirty="0">
+                <a:solidFill>
+                  <a:srgbClr val="D4D4D4"/>
+                </a:solidFill>
+                <a:effectLst/>
+                <a:latin typeface="Consolas" panose="020B0609020204030204" pitchFamily="49" charset="0"/>
+              </a:rPr>
+              <a:t>https://www.ianlewis.org/en/container-runtimes-part-1-introduction-container-r</a:t>
+            </a:r>
+          </a:p>
+          <a:p>
+            <a:br>
+              <a:rPr lang="en-AU" b="0" dirty="0">
+                <a:solidFill>
+                  <a:srgbClr val="D4D4D4"/>
+                </a:solidFill>
+                <a:effectLst/>
+                <a:latin typeface="Consolas" panose="020B0609020204030204" pitchFamily="49" charset="0"/>
+              </a:rPr>
+            </a:br>
+            <a:endParaRPr lang="en-AU" b="0" dirty="0">
+              <a:solidFill>
+                <a:srgbClr val="D4D4D4"/>
+              </a:solidFill>
+              <a:effectLst/>
+              <a:latin typeface="Consolas" panose="020B0609020204030204" pitchFamily="49" charset="0"/>
+            </a:endParaRPr>
+          </a:p>
+          <a:p>
+            <a:endParaRPr lang="en-AU" dirty="0"/>
           </a:p>
         </p:txBody>
       </p:sp>
@@ -1007,7 +972,7 @@
     </p:spTree>
     <p:extLst>
       <p:ext uri="{BB962C8B-B14F-4D97-AF65-F5344CB8AC3E}">
-        <p14:creationId xmlns:p14="http://schemas.microsoft.com/office/powerpoint/2010/main" val="1994887120"/>
+        <p14:creationId xmlns:p14="http://schemas.microsoft.com/office/powerpoint/2010/main" val="3863869726"/>
       </p:ext>
     </p:extLst>
   </p:cSld>
@@ -1062,6 +1027,150 @@
           <a:lstStyle/>
           <a:p>
             <a:r>
+              <a:rPr lang="en-AU" sz="1200" dirty="0"/>
+              <a:t>Ok – so we know what a container is now, and we’ve built some, inspected some images, how would we build one ?</a:t>
+            </a:r>
+          </a:p>
+          <a:p>
+            <a:endParaRPr lang="en-AU" sz="1200" dirty="0"/>
+          </a:p>
+          <a:p>
+            <a:r>
+              <a:rPr lang="en-AU" sz="1200" dirty="0"/>
+              <a:t>Practically building containers </a:t>
+            </a:r>
+          </a:p>
+          <a:p>
+            <a:r>
+              <a:rPr lang="en-AU" sz="1200" dirty="0"/>
+              <a:t>Well we will use docker, but I stress this is only one way !</a:t>
+            </a:r>
+          </a:p>
+          <a:p>
+            <a:endParaRPr lang="en-AU" sz="1200" dirty="0"/>
+          </a:p>
+          <a:p>
+            <a:r>
+              <a:rPr lang="en-AU" sz="1200" dirty="0"/>
+              <a:t>We’ve used 3 here – docker, </a:t>
+            </a:r>
+            <a:r>
+              <a:rPr lang="en-AU" sz="1200" dirty="0" err="1"/>
+              <a:t>kaniko</a:t>
+            </a:r>
+            <a:r>
+              <a:rPr lang="en-AU" sz="1200" dirty="0"/>
+              <a:t> and jib</a:t>
+            </a:r>
+          </a:p>
+          <a:p>
+            <a:endParaRPr lang="en-AU" sz="1200" dirty="0"/>
+          </a:p>
+          <a:p>
+            <a:r>
+              <a:rPr lang="en-AU" sz="1200" dirty="0"/>
+              <a:t>Ok – docker commands to run it – observe link between commands and namespaces </a:t>
+            </a:r>
+            <a:r>
+              <a:rPr lang="en-AU" sz="1200" dirty="0" err="1"/>
+              <a:t>e.g</a:t>
+            </a:r>
+            <a:r>
+              <a:rPr lang="en-AU" sz="1200" dirty="0"/>
+              <a:t> </a:t>
+            </a:r>
+            <a:r>
+              <a:rPr lang="en-AU" sz="1200" dirty="0" err="1"/>
+              <a:t>pid</a:t>
+            </a:r>
+            <a:r>
+              <a:rPr lang="en-AU" sz="1200" dirty="0"/>
+              <a:t> namespace</a:t>
+            </a:r>
+          </a:p>
+        </p:txBody>
+      </p:sp>
+      <p:sp>
+        <p:nvSpPr>
+          <p:cNvPr id="4" name="Slide Number Placeholder 3"/>
+          <p:cNvSpPr>
+            <a:spLocks noGrp="1"/>
+          </p:cNvSpPr>
+          <p:nvPr>
+            <p:ph type="sldNum" sz="quarter" idx="10"/>
+          </p:nvPr>
+        </p:nvSpPr>
+        <p:spPr/>
+        <p:txBody>
+          <a:bodyPr/>
+          <a:lstStyle/>
+          <a:p>
+            <a:fld id="{81889535-4C9A-4919-8C6D-C0E39E76FE81}" type="slidenum">
+              <a:rPr lang="en-AU" smtClean="0"/>
+              <a:t>14</a:t>
+            </a:fld>
+            <a:endParaRPr lang="en-AU"/>
+          </a:p>
+        </p:txBody>
+      </p:sp>
+    </p:spTree>
+    <p:extLst>
+      <p:ext uri="{BB962C8B-B14F-4D97-AF65-F5344CB8AC3E}">
+        <p14:creationId xmlns:p14="http://schemas.microsoft.com/office/powerpoint/2010/main" val="1994887120"/>
+      </p:ext>
+    </p:extLst>
+  </p:cSld>
+  <p:clrMapOvr>
+    <a:masterClrMapping/>
+  </p:clrMapOvr>
+</p:notes>
+</file>
+
+<file path=ppt/notesSlides/notesSlide15.xml><?xml version="1.0" encoding="utf-8"?>
+<p:notes xmlns:a="http://schemas.openxmlformats.org/drawingml/2006/main" xmlns:r="http://schemas.openxmlformats.org/officeDocument/2006/relationships" xmlns:p="http://schemas.openxmlformats.org/presentationml/2006/main">
+  <p:cSld>
+    <p:spTree>
+      <p:nvGrpSpPr>
+        <p:cNvPr id="1" name=""/>
+        <p:cNvGrpSpPr/>
+        <p:nvPr/>
+      </p:nvGrpSpPr>
+      <p:grpSpPr>
+        <a:xfrm>
+          <a:off x="0" y="0"/>
+          <a:ext cx="0" cy="0"/>
+          <a:chOff x="0" y="0"/>
+          <a:chExt cx="0" cy="0"/>
+        </a:xfrm>
+      </p:grpSpPr>
+      <p:sp>
+        <p:nvSpPr>
+          <p:cNvPr id="2" name="Slide Image Placeholder 1"/>
+          <p:cNvSpPr>
+            <a:spLocks noGrp="1" noRot="1" noChangeAspect="1"/>
+          </p:cNvSpPr>
+          <p:nvPr>
+            <p:ph type="sldImg"/>
+          </p:nvPr>
+        </p:nvSpPr>
+        <p:spPr/>
+      </p:sp>
+      <p:sp>
+        <p:nvSpPr>
+          <p:cNvPr id="3" name="Notes Placeholder 2"/>
+          <p:cNvSpPr>
+            <a:spLocks noGrp="1"/>
+          </p:cNvSpPr>
+          <p:nvPr>
+            <p:ph type="body" idx="1"/>
+          </p:nvPr>
+        </p:nvSpPr>
+        <p:spPr/>
+        <p:txBody>
+          <a:bodyPr/>
+          <a:lstStyle/>
+          <a:p>
+            <a:r>
               <a:rPr lang="en-AU" sz="1200" dirty="0">
                 <a:hlinkClick r:id="rId3"/>
               </a:rPr>
@@ -1250,7 +1359,7 @@
           <a:p>
             <a:fld id="{81889535-4C9A-4919-8C6D-C0E39E76FE81}" type="slidenum">
               <a:rPr lang="en-AU" smtClean="0"/>
-              <a:t>14</a:t>
+              <a:t>15</a:t>
             </a:fld>
             <a:endParaRPr lang="en-AU"/>
           </a:p>
@@ -1260,6 +1369,102 @@
     <p:extLst>
       <p:ext uri="{BB962C8B-B14F-4D97-AF65-F5344CB8AC3E}">
         <p14:creationId xmlns:p14="http://schemas.microsoft.com/office/powerpoint/2010/main" val="1908783341"/>
+      </p:ext>
+    </p:extLst>
+  </p:cSld>
+  <p:clrMapOvr>
+    <a:masterClrMapping/>
+  </p:clrMapOvr>
+</p:notes>
+</file>
+
+<file path=ppt/notesSlides/notesSlide16.xml><?xml version="1.0" encoding="utf-8"?>
+<p:notes xmlns:a="http://schemas.openxmlformats.org/drawingml/2006/main" xmlns:r="http://schemas.openxmlformats.org/officeDocument/2006/relationships" xmlns:p="http://schemas.openxmlformats.org/presentationml/2006/main">
+  <p:cSld>
+    <p:spTree>
+      <p:nvGrpSpPr>
+        <p:cNvPr id="1" name=""/>
+        <p:cNvGrpSpPr/>
+        <p:nvPr/>
+      </p:nvGrpSpPr>
+      <p:grpSpPr>
+        <a:xfrm>
+          <a:off x="0" y="0"/>
+          <a:ext cx="0" cy="0"/>
+          <a:chOff x="0" y="0"/>
+          <a:chExt cx="0" cy="0"/>
+        </a:xfrm>
+      </p:grpSpPr>
+      <p:sp>
+        <p:nvSpPr>
+          <p:cNvPr id="2" name="Slide Image Placeholder 1"/>
+          <p:cNvSpPr>
+            <a:spLocks noGrp="1" noRot="1" noChangeAspect="1"/>
+          </p:cNvSpPr>
+          <p:nvPr>
+            <p:ph type="sldImg"/>
+          </p:nvPr>
+        </p:nvSpPr>
+        <p:spPr/>
+      </p:sp>
+      <p:sp>
+        <p:nvSpPr>
+          <p:cNvPr id="3" name="Notes Placeholder 2"/>
+          <p:cNvSpPr>
+            <a:spLocks noGrp="1"/>
+          </p:cNvSpPr>
+          <p:nvPr>
+            <p:ph type="body" idx="1"/>
+          </p:nvPr>
+        </p:nvSpPr>
+        <p:spPr/>
+        <p:txBody>
+          <a:bodyPr/>
+          <a:lstStyle/>
+          <a:p>
+            <a:r>
+              <a:rPr lang="en-AU" sz="1200" dirty="0"/>
+              <a:t>Lets look at </a:t>
+            </a:r>
+            <a:r>
+              <a:rPr lang="en-AU" sz="1200" dirty="0" err="1"/>
+              <a:t>dockerfiles</a:t>
+            </a:r>
+            <a:r>
+              <a:rPr lang="en-AU" sz="1200"/>
+              <a:t> again</a:t>
+            </a:r>
+            <a:endParaRPr lang="en-AU" sz="1200" dirty="0"/>
+          </a:p>
+        </p:txBody>
+      </p:sp>
+      <p:sp>
+        <p:nvSpPr>
+          <p:cNvPr id="4" name="Slide Number Placeholder 3"/>
+          <p:cNvSpPr>
+            <a:spLocks noGrp="1"/>
+          </p:cNvSpPr>
+          <p:nvPr>
+            <p:ph type="sldNum" sz="quarter" idx="10"/>
+          </p:nvPr>
+        </p:nvSpPr>
+        <p:spPr/>
+        <p:txBody>
+          <a:bodyPr/>
+          <a:lstStyle/>
+          <a:p>
+            <a:fld id="{81889535-4C9A-4919-8C6D-C0E39E76FE81}" type="slidenum">
+              <a:rPr lang="en-AU" smtClean="0"/>
+              <a:t>16</a:t>
+            </a:fld>
+            <a:endParaRPr lang="en-AU"/>
+          </a:p>
+        </p:txBody>
+      </p:sp>
+    </p:spTree>
+    <p:extLst>
+      <p:ext uri="{BB962C8B-B14F-4D97-AF65-F5344CB8AC3E}">
+        <p14:creationId xmlns:p14="http://schemas.microsoft.com/office/powerpoint/2010/main" val="36255157"/>
       </p:ext>
     </p:extLst>
   </p:cSld>
@@ -2185,29 +2390,91 @@
           <a:lstStyle/>
           <a:p>
             <a:r>
+              <a:rPr lang="en-AU" dirty="0"/>
+              <a:t>Ok – so lets build a container</a:t>
+            </a:r>
+          </a:p>
+          <a:p>
+            <a:endParaRPr lang="en-AU" dirty="0"/>
+          </a:p>
+          <a:p>
+            <a:r>
+              <a:rPr lang="en-AU" dirty="0"/>
+              <a:t>Why </a:t>
+            </a:r>
+            <a:r>
+              <a:rPr lang="en-AU" dirty="0" err="1"/>
+              <a:t>Distroless</a:t>
+            </a:r>
+            <a:r>
+              <a:rPr lang="en-AU" dirty="0"/>
+              <a:t> and Debian selection</a:t>
+            </a:r>
+          </a:p>
+          <a:p>
+            <a:endParaRPr lang="en-AU" dirty="0"/>
+          </a:p>
+          <a:p>
+            <a:r>
+              <a:rPr lang="en-AU" dirty="0"/>
+              <a:t>One package manager</a:t>
+            </a:r>
+          </a:p>
+          <a:p>
+            <a:r>
+              <a:rPr lang="en-AU" dirty="0"/>
+              <a:t>Rapidly updated security vulnerabilities</a:t>
+            </a:r>
+          </a:p>
+          <a:p>
+            <a:r>
+              <a:rPr lang="en-AU" dirty="0"/>
+              <a:t>No </a:t>
+            </a:r>
+            <a:r>
+              <a:rPr lang="en-AU" dirty="0" err="1"/>
+              <a:t>musl</a:t>
+            </a:r>
+            <a:r>
+              <a:rPr lang="en-AU" dirty="0"/>
+              <a:t> (alpine)</a:t>
+            </a:r>
+          </a:p>
+          <a:p>
+            <a:endParaRPr lang="en-AU" dirty="0"/>
+          </a:p>
+          <a:p>
+            <a:r>
+              <a:rPr lang="en-AU" dirty="0"/>
+              <a:t>Images aren’t a docker thing – see </a:t>
+            </a:r>
+            <a:r>
               <a:rPr lang="en-AU" sz="1200" dirty="0"/>
-              <a:t>So, we need to explore </a:t>
-            </a:r>
-            <a:r>
-              <a:rPr lang="en-AU" sz="1200" dirty="0" err="1"/>
-              <a:t>linux</a:t>
-            </a:r>
-            <a:r>
-              <a:rPr lang="en-AU" sz="1200" dirty="0"/>
-              <a:t> a little bit</a:t>
-            </a:r>
-          </a:p>
-          <a:p>
+              <a:t>https://opencontainers.org/</a:t>
+            </a:r>
+          </a:p>
+          <a:p>
+            <a:pPr marL="0" marR="0" lvl="0" indent="0" algn="l" defTabSz="914400" rtl="0" eaLnBrk="1" fontAlgn="auto" latinLnBrk="0" hangingPunct="1">
+              <a:lnSpc>
+                <a:spcPct val="100000"/>
+              </a:lnSpc>
+              <a:spcBef>
+                <a:spcPts val="0"/>
+              </a:spcBef>
+              <a:spcAft>
+                <a:spcPts val="0"/>
+              </a:spcAft>
+              <a:buClrTx/>
+              <a:buSzTx/>
+              <a:buFontTx/>
+              <a:buNone/>
+              <a:tabLst/>
+              <a:defRPr/>
+            </a:pPr>
             <a:endParaRPr lang="en-AU" sz="1200" dirty="0"/>
           </a:p>
           <a:p>
-            <a:r>
-              <a:rPr lang="en-AU" sz="1200" dirty="0"/>
-              <a:t>So, lets do some docker and explore our containers</a:t>
-            </a:r>
-          </a:p>
-          <a:p>
-            <a:endParaRPr lang="en-AU" sz="1200" dirty="0"/>
+            <a:endParaRPr lang="en-AU" dirty="0"/>
           </a:p>
         </p:txBody>
       </p:sp>
@@ -2237,7 +2504,7 @@
     </p:spTree>
     <p:extLst>
       <p:ext uri="{BB962C8B-B14F-4D97-AF65-F5344CB8AC3E}">
-        <p14:creationId xmlns:p14="http://schemas.microsoft.com/office/powerpoint/2010/main" val="2034037474"/>
+        <p14:creationId xmlns:p14="http://schemas.microsoft.com/office/powerpoint/2010/main" val="1592013535"/>
       </p:ext>
     </p:extLst>
   </p:cSld>
@@ -5914,6 +6181,17 @@
             <a:pPr algn="ctr"/>
             <a:endParaRPr lang="en-AU" sz="6000" dirty="0"/>
           </a:p>
+          <a:p>
+            <a:pPr algn="ctr"/>
+            <a:r>
+              <a:rPr lang="en-AU" sz="6000" dirty="0"/>
+              <a:t>Namespaces &amp; Shell commands </a:t>
+            </a:r>
+            <a:r>
+              <a:rPr lang="en-AU" sz="2000" dirty="0"/>
+              <a:t>3</a:t>
+            </a:r>
+          </a:p>
         </p:txBody>
       </p:sp>
       <p:sp>
@@ -5935,6 +6213,87 @@
               <a:rPr lang="en-US" smtClean="0"/>
               <a:pPr/>
               <a:t>10</a:t>
+            </a:fld>
+            <a:endParaRPr lang="en-US" dirty="0"/>
+          </a:p>
+        </p:txBody>
+      </p:sp>
+    </p:spTree>
+    <p:extLst>
+      <p:ext uri="{BB962C8B-B14F-4D97-AF65-F5344CB8AC3E}">
+        <p14:creationId xmlns:p14="http://schemas.microsoft.com/office/powerpoint/2010/main" val="2881183392"/>
+      </p:ext>
+    </p:extLst>
+  </p:cSld>
+  <p:clrMapOvr>
+    <a:masterClrMapping/>
+  </p:clrMapOvr>
+</p:sld>
+</file>
+
+<file path=ppt/slides/slide11.xml><?xml version="1.0" encoding="utf-8"?>
+<p:sld xmlns:a="http://schemas.openxmlformats.org/drawingml/2006/main" xmlns:r="http://schemas.openxmlformats.org/officeDocument/2006/relationships" xmlns:p="http://schemas.openxmlformats.org/presentationml/2006/main">
+  <p:cSld>
+    <p:spTree>
+      <p:nvGrpSpPr>
+        <p:cNvPr id="1" name=""/>
+        <p:cNvGrpSpPr/>
+        <p:nvPr/>
+      </p:nvGrpSpPr>
+      <p:grpSpPr>
+        <a:xfrm>
+          <a:off x="0" y="0"/>
+          <a:ext cx="0" cy="0"/>
+          <a:chOff x="0" y="0"/>
+          <a:chExt cx="0" cy="0"/>
+        </a:xfrm>
+      </p:grpSpPr>
+      <p:sp>
+        <p:nvSpPr>
+          <p:cNvPr id="2" name="Text Placeholder 1"/>
+          <p:cNvSpPr>
+            <a:spLocks noGrp="1"/>
+          </p:cNvSpPr>
+          <p:nvPr>
+            <p:ph type="body" sz="quarter" idx="10"/>
+          </p:nvPr>
+        </p:nvSpPr>
+        <p:spPr>
+          <a:xfrm>
+            <a:off x="1134533" y="706438"/>
+            <a:ext cx="10238317" cy="3738561"/>
+          </a:xfrm>
+        </p:spPr>
+        <p:txBody>
+          <a:bodyPr>
+            <a:normAutofit/>
+          </a:bodyPr>
+          <a:lstStyle/>
+          <a:p>
+            <a:pPr algn="ctr"/>
+            <a:endParaRPr lang="en-AU" sz="6000" dirty="0"/>
+          </a:p>
+        </p:txBody>
+      </p:sp>
+      <p:sp>
+        <p:nvSpPr>
+          <p:cNvPr id="5" name="Slide Number Placeholder 4"/>
+          <p:cNvSpPr>
+            <a:spLocks noGrp="1"/>
+          </p:cNvSpPr>
+          <p:nvPr>
+            <p:ph type="sldNum" sz="quarter" idx="4"/>
+          </p:nvPr>
+        </p:nvSpPr>
+        <p:spPr/>
+        <p:txBody>
+          <a:bodyPr/>
+          <a:lstStyle/>
+          <a:p>
+            <a:fld id="{F715EC76-0071-7A44-93BB-E4DD1C89DB1C}" type="slidenum">
+              <a:rPr lang="en-US" smtClean="0"/>
+              <a:pPr/>
+              <a:t>11</a:t>
             </a:fld>
             <a:endParaRPr lang="en-US" dirty="0"/>
           </a:p>
@@ -5983,7 +6342,7 @@
 </p:sld>
 </file>
 
-<file path=ppt/slides/slide11.xml><?xml version="1.0" encoding="utf-8"?>
+<file path=ppt/slides/slide12.xml><?xml version="1.0" encoding="utf-8"?>
 <p:sld xmlns:a="http://schemas.openxmlformats.org/drawingml/2006/main" xmlns:r="http://schemas.openxmlformats.org/officeDocument/2006/relationships" xmlns:p="http://schemas.openxmlformats.org/presentationml/2006/main">
   <p:cSld>
     <p:spTree>
@@ -6071,7 +6430,7 @@
             <a:fld id="{F715EC76-0071-7A44-93BB-E4DD1C89DB1C}" type="slidenum">
               <a:rPr lang="en-US" smtClean="0"/>
               <a:pPr/>
-              <a:t>11</a:t>
+              <a:t>12</a:t>
             </a:fld>
             <a:endParaRPr lang="en-US" dirty="0"/>
           </a:p>
@@ -6137,7 +6496,7 @@
 </p:sld>
 </file>
 
-<file path=ppt/slides/slide12.xml><?xml version="1.0" encoding="utf-8"?>
+<file path=ppt/slides/slide13.xml><?xml version="1.0" encoding="utf-8"?>
 <p:sld xmlns:a="http://schemas.openxmlformats.org/drawingml/2006/main" xmlns:r="http://schemas.openxmlformats.org/officeDocument/2006/relationships" xmlns:p="http://schemas.openxmlformats.org/presentationml/2006/main">
   <p:cSld>
     <p:spTree>
@@ -6300,7 +6659,7 @@
             <a:fld id="{F715EC76-0071-7A44-93BB-E4DD1C89DB1C}" type="slidenum">
               <a:rPr lang="en-US" smtClean="0"/>
               <a:pPr/>
-              <a:t>12</a:t>
+              <a:t>13</a:t>
             </a:fld>
             <a:endParaRPr lang="en-US" dirty="0"/>
           </a:p>
@@ -6355,111 +6714,6 @@
     <p:extLst>
       <p:ext uri="{BB962C8B-B14F-4D97-AF65-F5344CB8AC3E}">
         <p14:creationId xmlns:p14="http://schemas.microsoft.com/office/powerpoint/2010/main" val="2337742104"/>
-      </p:ext>
-    </p:extLst>
-  </p:cSld>
-  <p:clrMapOvr>
-    <a:masterClrMapping/>
-  </p:clrMapOvr>
-</p:sld>
-</file>
-
-<file path=ppt/slides/slide13.xml><?xml version="1.0" encoding="utf-8"?>
-<p:sld xmlns:a="http://schemas.openxmlformats.org/drawingml/2006/main" xmlns:r="http://schemas.openxmlformats.org/officeDocument/2006/relationships" xmlns:p="http://schemas.openxmlformats.org/presentationml/2006/main">
-  <p:cSld>
-    <p:spTree>
-      <p:nvGrpSpPr>
-        <p:cNvPr id="1" name=""/>
-        <p:cNvGrpSpPr/>
-        <p:nvPr/>
-      </p:nvGrpSpPr>
-      <p:grpSpPr>
-        <a:xfrm>
-          <a:off x="0" y="0"/>
-          <a:ext cx="0" cy="0"/>
-          <a:chOff x="0" y="0"/>
-          <a:chExt cx="0" cy="0"/>
-        </a:xfrm>
-      </p:grpSpPr>
-      <p:sp>
-        <p:nvSpPr>
-          <p:cNvPr id="2" name="Text Placeholder 1"/>
-          <p:cNvSpPr>
-            <a:spLocks noGrp="1"/>
-          </p:cNvSpPr>
-          <p:nvPr>
-            <p:ph type="body" sz="quarter" idx="10"/>
-          </p:nvPr>
-        </p:nvSpPr>
-        <p:spPr>
-          <a:xfrm>
-            <a:off x="1134533" y="706438"/>
-            <a:ext cx="10238317" cy="3738561"/>
-          </a:xfrm>
-        </p:spPr>
-        <p:txBody>
-          <a:bodyPr>
-            <a:normAutofit/>
-          </a:bodyPr>
-          <a:lstStyle/>
-          <a:p>
-            <a:pPr algn="ctr"/>
-            <a:endParaRPr lang="en-AU" sz="6000" dirty="0"/>
-          </a:p>
-          <a:p>
-            <a:pPr algn="ctr"/>
-            <a:r>
-              <a:rPr lang="en-AU" sz="6000" dirty="0"/>
-              <a:t>Containers Runtimes &amp; Docker</a:t>
-            </a:r>
-            <a:r>
-              <a:rPr kumimoji="0" lang="en-AU" sz="2000" b="1" i="0" u="none" strike="noStrike" kern="1200" cap="none" spc="0" normalizeH="0" baseline="0" noProof="0" dirty="0">
-                <a:ln>
-                  <a:noFill/>
-                </a:ln>
-                <a:solidFill>
-                  <a:prstClr val="white"/>
-                </a:solidFill>
-                <a:effectLst/>
-                <a:uLnTx/>
-                <a:uFillTx/>
-                <a:latin typeface="Century Gothic"/>
-                <a:ea typeface="+mn-ea"/>
-              </a:rPr>
-              <a:t> 3</a:t>
-            </a:r>
-            <a:endParaRPr lang="en-AU" sz="6000" dirty="0"/>
-          </a:p>
-        </p:txBody>
-      </p:sp>
-      <p:sp>
-        <p:nvSpPr>
-          <p:cNvPr id="5" name="Slide Number Placeholder 4"/>
-          <p:cNvSpPr>
-            <a:spLocks noGrp="1"/>
-          </p:cNvSpPr>
-          <p:nvPr>
-            <p:ph type="sldNum" sz="quarter" idx="4"/>
-          </p:nvPr>
-        </p:nvSpPr>
-        <p:spPr/>
-        <p:txBody>
-          <a:bodyPr/>
-          <a:lstStyle/>
-          <a:p>
-            <a:fld id="{F715EC76-0071-7A44-93BB-E4DD1C89DB1C}" type="slidenum">
-              <a:rPr lang="en-US" smtClean="0"/>
-              <a:pPr/>
-              <a:t>13</a:t>
-            </a:fld>
-            <a:endParaRPr lang="en-US" dirty="0"/>
-          </a:p>
-        </p:txBody>
-      </p:sp>
-    </p:spTree>
-    <p:extLst>
-      <p:ext uri="{BB962C8B-B14F-4D97-AF65-F5344CB8AC3E}">
-        <p14:creationId xmlns:p14="http://schemas.microsoft.com/office/powerpoint/2010/main" val="1824688973"/>
       </p:ext>
     </p:extLst>
   </p:cSld>
@@ -6515,15 +6769,23 @@
             <a:pPr algn="ctr"/>
             <a:r>
               <a:rPr lang="en-AU" sz="6000" dirty="0"/>
-              <a:t>Container Monitoring and Pods </a:t>
-            </a:r>
-            <a:r>
-              <a:rPr lang="en-AU" sz="2000" dirty="0">
+              <a:t>Containers Runtimes &amp; Docker</a:t>
+            </a:r>
+            <a:r>
+              <a:rPr kumimoji="0" lang="en-AU" sz="2000" b="1" i="0" u="none" strike="noStrike" kern="1200" cap="none" spc="0" normalizeH="0" baseline="0" noProof="0" dirty="0">
+                <a:ln>
+                  <a:noFill/>
+                </a:ln>
                 <a:solidFill>
                   <a:prstClr val="white"/>
                 </a:solidFill>
+                <a:effectLst/>
+                <a:uLnTx/>
+                <a:uFillTx/>
+                <a:latin typeface="Century Gothic"/>
+                <a:ea typeface="+mn-ea"/>
               </a:rPr>
-              <a:t>4</a:t>
+              <a:t> 4</a:t>
             </a:r>
             <a:endParaRPr lang="en-AU" sz="6000" dirty="0"/>
           </a:p>
@@ -6556,7 +6818,201 @@
     </p:spTree>
     <p:extLst>
       <p:ext uri="{BB962C8B-B14F-4D97-AF65-F5344CB8AC3E}">
+        <p14:creationId xmlns:p14="http://schemas.microsoft.com/office/powerpoint/2010/main" val="1824688973"/>
+      </p:ext>
+    </p:extLst>
+  </p:cSld>
+  <p:clrMapOvr>
+    <a:masterClrMapping/>
+  </p:clrMapOvr>
+</p:sld>
+</file>
+
+<file path=ppt/slides/slide15.xml><?xml version="1.0" encoding="utf-8"?>
+<p:sld xmlns:a="http://schemas.openxmlformats.org/drawingml/2006/main" xmlns:r="http://schemas.openxmlformats.org/officeDocument/2006/relationships" xmlns:p="http://schemas.openxmlformats.org/presentationml/2006/main">
+  <p:cSld>
+    <p:spTree>
+      <p:nvGrpSpPr>
+        <p:cNvPr id="1" name=""/>
+        <p:cNvGrpSpPr/>
+        <p:nvPr/>
+      </p:nvGrpSpPr>
+      <p:grpSpPr>
+        <a:xfrm>
+          <a:off x="0" y="0"/>
+          <a:ext cx="0" cy="0"/>
+          <a:chOff x="0" y="0"/>
+          <a:chExt cx="0" cy="0"/>
+        </a:xfrm>
+      </p:grpSpPr>
+      <p:sp>
+        <p:nvSpPr>
+          <p:cNvPr id="2" name="Text Placeholder 1"/>
+          <p:cNvSpPr>
+            <a:spLocks noGrp="1"/>
+          </p:cNvSpPr>
+          <p:nvPr>
+            <p:ph type="body" sz="quarter" idx="10"/>
+          </p:nvPr>
+        </p:nvSpPr>
+        <p:spPr>
+          <a:xfrm>
+            <a:off x="1134533" y="706438"/>
+            <a:ext cx="10238317" cy="3738561"/>
+          </a:xfrm>
+        </p:spPr>
+        <p:txBody>
+          <a:bodyPr>
+            <a:normAutofit/>
+          </a:bodyPr>
+          <a:lstStyle/>
+          <a:p>
+            <a:pPr algn="ctr"/>
+            <a:endParaRPr lang="en-AU" sz="6000" dirty="0"/>
+          </a:p>
+          <a:p>
+            <a:pPr algn="ctr"/>
+            <a:r>
+              <a:rPr lang="en-AU" sz="6000" dirty="0"/>
+              <a:t>Container Monitoring, Pods and Kubernetes </a:t>
+            </a:r>
+            <a:r>
+              <a:rPr lang="en-AU" sz="2000" dirty="0">
+                <a:solidFill>
+                  <a:prstClr val="white"/>
+                </a:solidFill>
+              </a:rPr>
+              <a:t>5</a:t>
+            </a:r>
+            <a:endParaRPr lang="en-AU" sz="6000" dirty="0"/>
+          </a:p>
+        </p:txBody>
+      </p:sp>
+      <p:sp>
+        <p:nvSpPr>
+          <p:cNvPr id="5" name="Slide Number Placeholder 4"/>
+          <p:cNvSpPr>
+            <a:spLocks noGrp="1"/>
+          </p:cNvSpPr>
+          <p:nvPr>
+            <p:ph type="sldNum" sz="quarter" idx="4"/>
+          </p:nvPr>
+        </p:nvSpPr>
+        <p:spPr/>
+        <p:txBody>
+          <a:bodyPr/>
+          <a:lstStyle/>
+          <a:p>
+            <a:fld id="{F715EC76-0071-7A44-93BB-E4DD1C89DB1C}" type="slidenum">
+              <a:rPr lang="en-US" smtClean="0"/>
+              <a:pPr/>
+              <a:t>15</a:t>
+            </a:fld>
+            <a:endParaRPr lang="en-US" dirty="0"/>
+          </a:p>
+        </p:txBody>
+      </p:sp>
+    </p:spTree>
+    <p:extLst>
+      <p:ext uri="{BB962C8B-B14F-4D97-AF65-F5344CB8AC3E}">
         <p14:creationId xmlns:p14="http://schemas.microsoft.com/office/powerpoint/2010/main" val="3043790752"/>
+      </p:ext>
+    </p:extLst>
+  </p:cSld>
+  <p:clrMapOvr>
+    <a:masterClrMapping/>
+  </p:clrMapOvr>
+</p:sld>
+</file>
+
+<file path=ppt/slides/slide16.xml><?xml version="1.0" encoding="utf-8"?>
+<p:sld xmlns:a="http://schemas.openxmlformats.org/drawingml/2006/main" xmlns:r="http://schemas.openxmlformats.org/officeDocument/2006/relationships" xmlns:p="http://schemas.openxmlformats.org/presentationml/2006/main">
+  <p:cSld>
+    <p:spTree>
+      <p:nvGrpSpPr>
+        <p:cNvPr id="1" name=""/>
+        <p:cNvGrpSpPr/>
+        <p:nvPr/>
+      </p:nvGrpSpPr>
+      <p:grpSpPr>
+        <a:xfrm>
+          <a:off x="0" y="0"/>
+          <a:ext cx="0" cy="0"/>
+          <a:chOff x="0" y="0"/>
+          <a:chExt cx="0" cy="0"/>
+        </a:xfrm>
+      </p:grpSpPr>
+      <p:sp>
+        <p:nvSpPr>
+          <p:cNvPr id="2" name="Text Placeholder 1"/>
+          <p:cNvSpPr>
+            <a:spLocks noGrp="1"/>
+          </p:cNvSpPr>
+          <p:nvPr>
+            <p:ph type="body" sz="quarter" idx="10"/>
+          </p:nvPr>
+        </p:nvSpPr>
+        <p:spPr>
+          <a:xfrm>
+            <a:off x="1134533" y="706438"/>
+            <a:ext cx="10238317" cy="3738561"/>
+          </a:xfrm>
+        </p:spPr>
+        <p:txBody>
+          <a:bodyPr>
+            <a:normAutofit/>
+          </a:bodyPr>
+          <a:lstStyle/>
+          <a:p>
+            <a:pPr algn="ctr"/>
+            <a:endParaRPr lang="en-AU" sz="6000" dirty="0"/>
+          </a:p>
+          <a:p>
+            <a:pPr algn="ctr"/>
+            <a:r>
+              <a:rPr lang="en-AU" sz="6000" dirty="0"/>
+              <a:t>Back to the rock </a:t>
+            </a:r>
+            <a:r>
+              <a:rPr lang="en-AU" sz="2000" dirty="0">
+                <a:solidFill>
+                  <a:prstClr val="white"/>
+                </a:solidFill>
+              </a:rPr>
+              <a:t>6</a:t>
+            </a:r>
+            <a:endParaRPr lang="en-AU" sz="6000" dirty="0"/>
+          </a:p>
+        </p:txBody>
+      </p:sp>
+      <p:sp>
+        <p:nvSpPr>
+          <p:cNvPr id="5" name="Slide Number Placeholder 4"/>
+          <p:cNvSpPr>
+            <a:spLocks noGrp="1"/>
+          </p:cNvSpPr>
+          <p:nvPr>
+            <p:ph type="sldNum" sz="quarter" idx="4"/>
+          </p:nvPr>
+        </p:nvSpPr>
+        <p:spPr/>
+        <p:txBody>
+          <a:bodyPr/>
+          <a:lstStyle/>
+          <a:p>
+            <a:fld id="{F715EC76-0071-7A44-93BB-E4DD1C89DB1C}" type="slidenum">
+              <a:rPr lang="en-US" smtClean="0"/>
+              <a:pPr/>
+              <a:t>16</a:t>
+            </a:fld>
+            <a:endParaRPr lang="en-US" dirty="0"/>
+          </a:p>
+        </p:txBody>
+      </p:sp>
+    </p:spTree>
+    <p:extLst>
+      <p:ext uri="{BB962C8B-B14F-4D97-AF65-F5344CB8AC3E}">
+        <p14:creationId xmlns:p14="http://schemas.microsoft.com/office/powerpoint/2010/main" val="856103853"/>
       </p:ext>
     </p:extLst>
   </p:cSld>
@@ -7935,7 +8391,7 @@
             <a:pPr algn="ctr"/>
             <a:r>
               <a:rPr lang="en-AU" sz="6000" dirty="0"/>
-              <a:t>Images &amp; Dive </a:t>
+              <a:t>Test Drive </a:t>
             </a:r>
             <a:r>
               <a:rPr lang="en-AU" sz="2000" dirty="0">
@@ -8032,12 +8488,17 @@
             <a:pPr algn="ctr"/>
             <a:r>
               <a:rPr lang="en-AU" sz="6000" dirty="0"/>
-              <a:t>Namespaces &amp; Shell commands </a:t>
-            </a:r>
-            <a:r>
-              <a:rPr lang="en-AU" sz="2000" dirty="0"/>
+              <a:t>Images &amp; Dive </a:t>
+            </a:r>
+            <a:r>
+              <a:rPr lang="en-AU" sz="2000" dirty="0">
+                <a:solidFill>
+                  <a:prstClr val="white"/>
+                </a:solidFill>
+              </a:rPr>
               <a:t>2</a:t>
             </a:r>
+            <a:endParaRPr lang="en-AU" sz="6000" dirty="0"/>
           </a:p>
         </p:txBody>
       </p:sp>
@@ -8068,7 +8529,7 @@
     </p:spTree>
     <p:extLst>
       <p:ext uri="{BB962C8B-B14F-4D97-AF65-F5344CB8AC3E}">
-        <p14:creationId xmlns:p14="http://schemas.microsoft.com/office/powerpoint/2010/main" val="2881183392"/>
+        <p14:creationId xmlns:p14="http://schemas.microsoft.com/office/powerpoint/2010/main" val="364049346"/>
       </p:ext>
     </p:extLst>
   </p:cSld>
